--- a/Slides.pptx
+++ b/Slides.pptx
@@ -841,7 +841,7 @@
           <a:p>
             <a:fld id="{4A0DADE8-82D2-48E5-A6B2-A297F8BE4485}" type="datetimeFigureOut">
               <a:rPr lang="en-US" smtClean="0"/>
-              <a:t>4/28/2015</a:t>
+              <a:t>5/9/15</a:t>
             </a:fld>
             <a:endParaRPr lang="en-US"/>
           </a:p>
@@ -899,6 +899,18 @@
   <p:clrMapOvr>
     <a:masterClrMapping/>
   </p:clrMapOvr>
+  <mc:AlternateContent xmlns:mc="http://schemas.openxmlformats.org/markup-compatibility/2006">
+    <mc:Choice xmlns:p14="http://schemas.microsoft.com/office/powerpoint/2010/main" Requires="p14">
+      <p:transition spd="slow" p14:dur="800">
+        <p14:flythrough/>
+      </p:transition>
+    </mc:Choice>
+    <mc:Fallback>
+      <p:transition spd="slow">
+        <p:fade/>
+      </p:transition>
+    </mc:Fallback>
+  </mc:AlternateContent>
 </p:sldLayout>
 </file>
 
@@ -1092,7 +1104,7 @@
           <a:p>
             <a:fld id="{4A0DADE8-82D2-48E5-A6B2-A297F8BE4485}" type="datetimeFigureOut">
               <a:rPr lang="en-US" smtClean="0"/>
-              <a:t>4/28/2015</a:t>
+              <a:t>5/9/15</a:t>
             </a:fld>
             <a:endParaRPr lang="en-US"/>
           </a:p>
@@ -1150,6 +1162,18 @@
   <p:clrMapOvr>
     <a:masterClrMapping/>
   </p:clrMapOvr>
+  <mc:AlternateContent xmlns:mc="http://schemas.openxmlformats.org/markup-compatibility/2006">
+    <mc:Choice xmlns:p14="http://schemas.microsoft.com/office/powerpoint/2010/main" Requires="p14">
+      <p:transition spd="slow" p14:dur="800">
+        <p14:flythrough/>
+      </p:transition>
+    </mc:Choice>
+    <mc:Fallback>
+      <p:transition spd="slow">
+        <p:fade/>
+      </p:transition>
+    </mc:Fallback>
+  </mc:AlternateContent>
 </p:sldLayout>
 </file>
 
@@ -1406,7 +1430,7 @@
           <a:p>
             <a:fld id="{4A0DADE8-82D2-48E5-A6B2-A297F8BE4485}" type="datetimeFigureOut">
               <a:rPr lang="en-US" smtClean="0"/>
-              <a:t>4/28/2015</a:t>
+              <a:t>5/9/15</a:t>
             </a:fld>
             <a:endParaRPr lang="en-US"/>
           </a:p>
@@ -1540,6 +1564,18 @@
   <p:clrMapOvr>
     <a:masterClrMapping/>
   </p:clrMapOvr>
+  <mc:AlternateContent xmlns:mc="http://schemas.openxmlformats.org/markup-compatibility/2006">
+    <mc:Choice xmlns:p14="http://schemas.microsoft.com/office/powerpoint/2010/main" Requires="p14">
+      <p:transition spd="slow" p14:dur="800">
+        <p14:flythrough/>
+      </p:transition>
+    </mc:Choice>
+    <mc:Fallback>
+      <p:transition spd="slow">
+        <p:fade/>
+      </p:transition>
+    </mc:Fallback>
+  </mc:AlternateContent>
 </p:sldLayout>
 </file>
 
@@ -1733,7 +1769,7 @@
           <a:p>
             <a:fld id="{4A0DADE8-82D2-48E5-A6B2-A297F8BE4485}" type="datetimeFigureOut">
               <a:rPr lang="en-US" smtClean="0"/>
-              <a:t>4/28/2015</a:t>
+              <a:t>5/9/15</a:t>
             </a:fld>
             <a:endParaRPr lang="en-US"/>
           </a:p>
@@ -1791,6 +1827,18 @@
   <p:clrMapOvr>
     <a:masterClrMapping/>
   </p:clrMapOvr>
+  <mc:AlternateContent xmlns:mc="http://schemas.openxmlformats.org/markup-compatibility/2006">
+    <mc:Choice xmlns:p14="http://schemas.microsoft.com/office/powerpoint/2010/main" Requires="p14">
+      <p:transition spd="slow" p14:dur="800">
+        <p14:flythrough/>
+      </p:transition>
+    </mc:Choice>
+    <mc:Fallback>
+      <p:transition spd="slow">
+        <p:fade/>
+      </p:transition>
+    </mc:Fallback>
+  </mc:AlternateContent>
 </p:sldLayout>
 </file>
 
@@ -2047,7 +2095,7 @@
           <a:p>
             <a:fld id="{4A0DADE8-82D2-48E5-A6B2-A297F8BE4485}" type="datetimeFigureOut">
               <a:rPr lang="en-US" smtClean="0"/>
-              <a:t>4/28/2015</a:t>
+              <a:t>5/9/15</a:t>
             </a:fld>
             <a:endParaRPr lang="en-US"/>
           </a:p>
@@ -2181,6 +2229,18 @@
   <p:clrMapOvr>
     <a:masterClrMapping/>
   </p:clrMapOvr>
+  <mc:AlternateContent xmlns:mc="http://schemas.openxmlformats.org/markup-compatibility/2006">
+    <mc:Choice xmlns:p14="http://schemas.microsoft.com/office/powerpoint/2010/main" Requires="p14">
+      <p:transition spd="slow" p14:dur="800">
+        <p14:flythrough/>
+      </p:transition>
+    </mc:Choice>
+    <mc:Fallback>
+      <p:transition spd="slow">
+        <p:fade/>
+      </p:transition>
+    </mc:Fallback>
+  </mc:AlternateContent>
 </p:sldLayout>
 </file>
 
@@ -2434,7 +2494,7 @@
           <a:p>
             <a:fld id="{4A0DADE8-82D2-48E5-A6B2-A297F8BE4485}" type="datetimeFigureOut">
               <a:rPr lang="en-US" smtClean="0"/>
-              <a:t>4/28/2015</a:t>
+              <a:t>5/9/15</a:t>
             </a:fld>
             <a:endParaRPr lang="en-US"/>
           </a:p>
@@ -2492,6 +2552,18 @@
   <p:clrMapOvr>
     <a:masterClrMapping/>
   </p:clrMapOvr>
+  <mc:AlternateContent xmlns:mc="http://schemas.openxmlformats.org/markup-compatibility/2006">
+    <mc:Choice xmlns:p14="http://schemas.microsoft.com/office/powerpoint/2010/main" Requires="p14">
+      <p:transition spd="slow" p14:dur="800">
+        <p14:flythrough/>
+      </p:transition>
+    </mc:Choice>
+    <mc:Fallback>
+      <p:transition spd="slow">
+        <p:fade/>
+      </p:transition>
+    </mc:Fallback>
+  </mc:AlternateContent>
 </p:sldLayout>
 </file>
 
@@ -2604,7 +2676,7 @@
           <a:p>
             <a:fld id="{4A0DADE8-82D2-48E5-A6B2-A297F8BE4485}" type="datetimeFigureOut">
               <a:rPr lang="en-US" smtClean="0"/>
-              <a:t>4/28/2015</a:t>
+              <a:t>5/9/15</a:t>
             </a:fld>
             <a:endParaRPr lang="en-US"/>
           </a:p>
@@ -2662,6 +2734,18 @@
   <p:clrMapOvr>
     <a:masterClrMapping/>
   </p:clrMapOvr>
+  <mc:AlternateContent xmlns:mc="http://schemas.openxmlformats.org/markup-compatibility/2006">
+    <mc:Choice xmlns:p14="http://schemas.microsoft.com/office/powerpoint/2010/main" Requires="p14">
+      <p:transition spd="slow" p14:dur="800">
+        <p14:flythrough/>
+      </p:transition>
+    </mc:Choice>
+    <mc:Fallback>
+      <p:transition spd="slow">
+        <p:fade/>
+      </p:transition>
+    </mc:Fallback>
+  </mc:AlternateContent>
 </p:sldLayout>
 </file>
 
@@ -2784,7 +2868,7 @@
           <a:p>
             <a:fld id="{4A0DADE8-82D2-48E5-A6B2-A297F8BE4485}" type="datetimeFigureOut">
               <a:rPr lang="en-US" smtClean="0"/>
-              <a:t>4/28/2015</a:t>
+              <a:t>5/9/15</a:t>
             </a:fld>
             <a:endParaRPr lang="en-US"/>
           </a:p>
@@ -2842,6 +2926,18 @@
   <p:clrMapOvr>
     <a:masterClrMapping/>
   </p:clrMapOvr>
+  <mc:AlternateContent xmlns:mc="http://schemas.openxmlformats.org/markup-compatibility/2006">
+    <mc:Choice xmlns:p14="http://schemas.microsoft.com/office/powerpoint/2010/main" Requires="p14">
+      <p:transition spd="slow" p14:dur="800">
+        <p14:flythrough/>
+      </p:transition>
+    </mc:Choice>
+    <mc:Fallback>
+      <p:transition spd="slow">
+        <p:fade/>
+      </p:transition>
+    </mc:Fallback>
+  </mc:AlternateContent>
 </p:sldLayout>
 </file>
 
@@ -2954,7 +3050,7 @@
           <a:p>
             <a:fld id="{4A0DADE8-82D2-48E5-A6B2-A297F8BE4485}" type="datetimeFigureOut">
               <a:rPr lang="en-US" smtClean="0"/>
-              <a:t>4/28/2015</a:t>
+              <a:t>5/9/15</a:t>
             </a:fld>
             <a:endParaRPr lang="en-US"/>
           </a:p>
@@ -3012,6 +3108,18 @@
   <p:clrMapOvr>
     <a:masterClrMapping/>
   </p:clrMapOvr>
+  <mc:AlternateContent xmlns:mc="http://schemas.openxmlformats.org/markup-compatibility/2006">
+    <mc:Choice xmlns:p14="http://schemas.microsoft.com/office/powerpoint/2010/main" Requires="p14">
+      <p:transition spd="slow" p14:dur="800">
+        <p14:flythrough/>
+      </p:transition>
+    </mc:Choice>
+    <mc:Fallback>
+      <p:transition spd="slow">
+        <p:fade/>
+      </p:transition>
+    </mc:Fallback>
+  </mc:AlternateContent>
 </p:sldLayout>
 </file>
 
@@ -3201,7 +3309,7 @@
           <a:p>
             <a:fld id="{4A0DADE8-82D2-48E5-A6B2-A297F8BE4485}" type="datetimeFigureOut">
               <a:rPr lang="en-US" smtClean="0"/>
-              <a:t>4/28/2015</a:t>
+              <a:t>5/9/15</a:t>
             </a:fld>
             <a:endParaRPr lang="en-US"/>
           </a:p>
@@ -3259,6 +3367,18 @@
   <p:clrMapOvr>
     <a:masterClrMapping/>
   </p:clrMapOvr>
+  <mc:AlternateContent xmlns:mc="http://schemas.openxmlformats.org/markup-compatibility/2006">
+    <mc:Choice xmlns:p14="http://schemas.microsoft.com/office/powerpoint/2010/main" Requires="p14">
+      <p:transition spd="slow" p14:dur="800">
+        <p14:flythrough/>
+      </p:transition>
+    </mc:Choice>
+    <mc:Fallback>
+      <p:transition spd="slow">
+        <p:fade/>
+      </p:transition>
+    </mc:Fallback>
+  </mc:AlternateContent>
 </p:sldLayout>
 </file>
 
@@ -3433,7 +3553,7 @@
           <a:p>
             <a:fld id="{4A0DADE8-82D2-48E5-A6B2-A297F8BE4485}" type="datetimeFigureOut">
               <a:rPr lang="en-US" smtClean="0"/>
-              <a:t>4/28/2015</a:t>
+              <a:t>5/9/15</a:t>
             </a:fld>
             <a:endParaRPr lang="en-US"/>
           </a:p>
@@ -3491,6 +3611,18 @@
   <p:clrMapOvr>
     <a:masterClrMapping/>
   </p:clrMapOvr>
+  <mc:AlternateContent xmlns:mc="http://schemas.openxmlformats.org/markup-compatibility/2006">
+    <mc:Choice xmlns:p14="http://schemas.microsoft.com/office/powerpoint/2010/main" Requires="p14">
+      <p:transition spd="slow" p14:dur="800">
+        <p14:flythrough/>
+      </p:transition>
+    </mc:Choice>
+    <mc:Fallback>
+      <p:transition spd="slow">
+        <p:fade/>
+      </p:transition>
+    </mc:Fallback>
+  </mc:AlternateContent>
 </p:sldLayout>
 </file>
 
@@ -3807,7 +3939,7 @@
           <a:p>
             <a:fld id="{4A0DADE8-82D2-48E5-A6B2-A297F8BE4485}" type="datetimeFigureOut">
               <a:rPr lang="en-US" smtClean="0"/>
-              <a:t>4/28/2015</a:t>
+              <a:t>5/9/15</a:t>
             </a:fld>
             <a:endParaRPr lang="en-US"/>
           </a:p>
@@ -3865,6 +3997,18 @@
   <p:clrMapOvr>
     <a:masterClrMapping/>
   </p:clrMapOvr>
+  <mc:AlternateContent xmlns:mc="http://schemas.openxmlformats.org/markup-compatibility/2006">
+    <mc:Choice xmlns:p14="http://schemas.microsoft.com/office/powerpoint/2010/main" Requires="p14">
+      <p:transition spd="slow" p14:dur="800">
+        <p14:flythrough/>
+      </p:transition>
+    </mc:Choice>
+    <mc:Fallback>
+      <p:transition spd="slow">
+        <p:fade/>
+      </p:transition>
+    </mc:Fallback>
+  </mc:AlternateContent>
 </p:sldLayout>
 </file>
 
@@ -3930,7 +4074,7 @@
           <a:p>
             <a:fld id="{4A0DADE8-82D2-48E5-A6B2-A297F8BE4485}" type="datetimeFigureOut">
               <a:rPr lang="en-US" smtClean="0"/>
-              <a:t>4/28/2015</a:t>
+              <a:t>5/9/15</a:t>
             </a:fld>
             <a:endParaRPr lang="en-US"/>
           </a:p>
@@ -3988,6 +4132,18 @@
   <p:clrMapOvr>
     <a:masterClrMapping/>
   </p:clrMapOvr>
+  <mc:AlternateContent xmlns:mc="http://schemas.openxmlformats.org/markup-compatibility/2006">
+    <mc:Choice xmlns:p14="http://schemas.microsoft.com/office/powerpoint/2010/main" Requires="p14">
+      <p:transition spd="slow" p14:dur="800">
+        <p14:flythrough/>
+      </p:transition>
+    </mc:Choice>
+    <mc:Fallback>
+      <p:transition spd="slow">
+        <p:fade/>
+      </p:transition>
+    </mc:Fallback>
+  </mc:AlternateContent>
 </p:sldLayout>
 </file>
 
@@ -4025,7 +4181,7 @@
           <a:p>
             <a:fld id="{4A0DADE8-82D2-48E5-A6B2-A297F8BE4485}" type="datetimeFigureOut">
               <a:rPr lang="en-US" smtClean="0"/>
-              <a:t>4/28/2015</a:t>
+              <a:t>5/9/15</a:t>
             </a:fld>
             <a:endParaRPr lang="en-US"/>
           </a:p>
@@ -4083,6 +4239,18 @@
   <p:clrMapOvr>
     <a:masterClrMapping/>
   </p:clrMapOvr>
+  <mc:AlternateContent xmlns:mc="http://schemas.openxmlformats.org/markup-compatibility/2006">
+    <mc:Choice xmlns:p14="http://schemas.microsoft.com/office/powerpoint/2010/main" Requires="p14">
+      <p:transition spd="slow" p14:dur="800">
+        <p14:flythrough/>
+      </p:transition>
+    </mc:Choice>
+    <mc:Fallback>
+      <p:transition spd="slow">
+        <p:fade/>
+      </p:transition>
+    </mc:Fallback>
+  </mc:AlternateContent>
 </p:sldLayout>
 </file>
 
@@ -4280,7 +4448,7 @@
           <a:p>
             <a:fld id="{4A0DADE8-82D2-48E5-A6B2-A297F8BE4485}" type="datetimeFigureOut">
               <a:rPr lang="en-US" smtClean="0"/>
-              <a:t>4/28/2015</a:t>
+              <a:t>5/9/15</a:t>
             </a:fld>
             <a:endParaRPr lang="en-US"/>
           </a:p>
@@ -4338,6 +4506,18 @@
   <p:clrMapOvr>
     <a:masterClrMapping/>
   </p:clrMapOvr>
+  <mc:AlternateContent xmlns:mc="http://schemas.openxmlformats.org/markup-compatibility/2006">
+    <mc:Choice xmlns:p14="http://schemas.microsoft.com/office/powerpoint/2010/main" Requires="p14">
+      <p:transition spd="slow" p14:dur="800">
+        <p14:flythrough/>
+      </p:transition>
+    </mc:Choice>
+    <mc:Fallback>
+      <p:transition spd="slow">
+        <p:fade/>
+      </p:transition>
+    </mc:Fallback>
+  </mc:AlternateContent>
 </p:sldLayout>
 </file>
 
@@ -4543,7 +4723,7 @@
           <a:p>
             <a:fld id="{4A0DADE8-82D2-48E5-A6B2-A297F8BE4485}" type="datetimeFigureOut">
               <a:rPr lang="en-US" smtClean="0"/>
-              <a:t>4/28/2015</a:t>
+              <a:t>5/9/15</a:t>
             </a:fld>
             <a:endParaRPr lang="en-US"/>
           </a:p>
@@ -4601,6 +4781,18 @@
   <p:clrMapOvr>
     <a:masterClrMapping/>
   </p:clrMapOvr>
+  <mc:AlternateContent xmlns:mc="http://schemas.openxmlformats.org/markup-compatibility/2006">
+    <mc:Choice xmlns:p14="http://schemas.microsoft.com/office/powerpoint/2010/main" Requires="p14">
+      <p:transition spd="slow" p14:dur="800">
+        <p14:flythrough/>
+      </p:transition>
+    </mc:Choice>
+    <mc:Fallback>
+      <p:transition spd="slow">
+        <p:fade/>
+      </p:transition>
+    </mc:Fallback>
+  </mc:AlternateContent>
 </p:sldLayout>
 </file>
 
@@ -5288,7 +5480,7 @@
           <a:p>
             <a:fld id="{4A0DADE8-82D2-48E5-A6B2-A297F8BE4485}" type="datetimeFigureOut">
               <a:rPr lang="en-US" smtClean="0"/>
-              <a:t>4/28/2015</a:t>
+              <a:t>5/9/15</a:t>
             </a:fld>
             <a:endParaRPr lang="en-US"/>
           </a:p>
@@ -5428,6 +5620,18 @@
     <p:sldLayoutId id="2147483692" r:id="rId15"/>
     <p:sldLayoutId id="2147483693" r:id="rId16"/>
   </p:sldLayoutIdLst>
+  <mc:AlternateContent xmlns:mc="http://schemas.openxmlformats.org/markup-compatibility/2006">
+    <mc:Choice xmlns:p14="http://schemas.microsoft.com/office/powerpoint/2010/main" Requires="p14">
+      <p:transition spd="slow" p14:dur="800">
+        <p14:flythrough/>
+      </p:transition>
+    </mc:Choice>
+    <mc:Fallback>
+      <p:transition spd="slow">
+        <p:fade/>
+      </p:transition>
+    </mc:Fallback>
+  </mc:AlternateContent>
   <p:txStyles>
     <p:titleStyle>
       <a:lvl1pPr algn="l" defTabSz="457200" rtl="0" eaLnBrk="1" latinLnBrk="0" hangingPunct="1">
@@ -5956,16 +6160,7 @@
                 </a:solidFill>
                 <a:latin typeface="Rondell Expanded" panose="02000506000000020003" pitchFamily="50" charset="0"/>
               </a:rPr>
-              <a:t>m</a:t>
-            </a:r>
-            <a:r>
-              <a:rPr lang="en-US" sz="9500" kern="600" dirty="0" smtClean="0">
-                <a:solidFill>
-                  <a:schemeClr val="accent2"/>
-                </a:solidFill>
-                <a:latin typeface="Rondell Expanded" panose="02000506000000020003" pitchFamily="50" charset="0"/>
-              </a:rPr>
-              <a:t>eet</a:t>
+              <a:t>meet</a:t>
             </a:r>
             <a:endParaRPr lang="en-US" sz="9500" kern="600" dirty="0">
               <a:solidFill>
@@ -5986,6 +6181,18 @@
   <p:clrMapOvr>
     <a:masterClrMapping/>
   </p:clrMapOvr>
+  <mc:AlternateContent xmlns:mc="http://schemas.openxmlformats.org/markup-compatibility/2006">
+    <mc:Choice xmlns:p14="http://schemas.microsoft.com/office/powerpoint/2010/main" Requires="p14">
+      <p:transition spd="slow" p14:dur="800">
+        <p14:flythrough/>
+      </p:transition>
+    </mc:Choice>
+    <mc:Fallback>
+      <p:transition spd="slow">
+        <p:fade/>
+      </p:transition>
+    </mc:Fallback>
+  </mc:AlternateContent>
   <p:timing>
     <p:tnLst>
       <p:par>
@@ -6029,26 +6236,30 @@
           <a:lstStyle/>
           <a:p>
             <a:r>
-              <a:rPr lang="en-US" dirty="0" smtClean="0"/>
+              <a:rPr lang="en-US" b="1" dirty="0" smtClean="0"/>
               <a:t>hi. </a:t>
             </a:r>
             <a:r>
-              <a:rPr lang="en-US" dirty="0" err="1" smtClean="0"/>
-              <a:t>i‘m</a:t>
-            </a:r>
-            <a:r>
-              <a:rPr lang="en-US" dirty="0" smtClean="0"/>
+              <a:rPr lang="en-US" b="1" dirty="0" err="1"/>
+              <a:t>i</a:t>
+            </a:r>
+            <a:r>
+              <a:rPr lang="en-US" b="1" dirty="0" err="1" smtClean="0"/>
+              <a:t>’m</a:t>
+            </a:r>
+            <a:r>
+              <a:rPr lang="en-US" b="1" dirty="0" smtClean="0"/>
               <a:t> </a:t>
             </a:r>
             <a:r>
-              <a:rPr lang="en-US" dirty="0" err="1" smtClean="0"/>
+              <a:rPr lang="en-US" b="1" dirty="0" err="1" smtClean="0"/>
               <a:t>adam</a:t>
             </a:r>
             <a:r>
-              <a:rPr lang="en-US" dirty="0" smtClean="0"/>
+              <a:rPr lang="en-US" b="1" dirty="0" smtClean="0"/>
               <a:t>.</a:t>
             </a:r>
-            <a:endParaRPr lang="en-US" dirty="0"/>
+            <a:endParaRPr lang="en-US" b="1" dirty="0"/>
           </a:p>
         </p:txBody>
       </p:sp>
@@ -6066,6 +6277,76 @@
         <p:txBody>
           <a:bodyPr/>
           <a:lstStyle/>
+          <a:p>
+            <a:r>
+              <a:rPr lang="en-US" dirty="0" smtClean="0"/>
+              <a:t>Adam Barney</a:t>
+            </a:r>
+          </a:p>
+          <a:p>
+            <a:r>
+              <a:rPr lang="en-US" dirty="0" smtClean="0"/>
+              <a:t>Barney Consulting, Inc. – Lincoln, NE</a:t>
+            </a:r>
+          </a:p>
+          <a:p>
+            <a:r>
+              <a:rPr lang="en-US" dirty="0" smtClean="0"/>
+              <a:t>Lincoln .NET Users Group</a:t>
+            </a:r>
+          </a:p>
+          <a:p>
+            <a:r>
+              <a:rPr lang="en-US" dirty="0" err="1" smtClean="0"/>
+              <a:t>Nebraska.Code</a:t>
+            </a:r>
+            <a:r>
+              <a:rPr lang="en-US" dirty="0" smtClean="0"/>
+              <a:t>() / Nebraska Code Camp</a:t>
+            </a:r>
+          </a:p>
+          <a:p>
+            <a:endParaRPr lang="en-US" dirty="0"/>
+          </a:p>
+          <a:p>
+            <a:r>
+              <a:rPr lang="en-US" dirty="0" smtClean="0"/>
+              <a:t>@</a:t>
+            </a:r>
+            <a:r>
+              <a:rPr lang="en-US" dirty="0" err="1" smtClean="0"/>
+              <a:t>cabarney</a:t>
+            </a:r>
+            <a:endParaRPr lang="en-US" dirty="0" smtClean="0"/>
+          </a:p>
+          <a:p>
+            <a:r>
+              <a:rPr lang="en-US" dirty="0" err="1" smtClean="0"/>
+              <a:t>adambarney.com</a:t>
+            </a:r>
+            <a:endParaRPr lang="en-US" dirty="0" smtClean="0"/>
+          </a:p>
+          <a:p>
+            <a:endParaRPr lang="en-US" dirty="0" smtClean="0"/>
+          </a:p>
+          <a:p>
+            <a:r>
+              <a:rPr lang="en-US" b="1" dirty="0" smtClean="0">
+                <a:hlinkClick r:id="rId2"/>
+              </a:rPr>
+              <a:t>adam@adambarney.com</a:t>
+            </a:r>
+            <a:endParaRPr lang="en-US" b="1" dirty="0"/>
+          </a:p>
+          <a:p>
+            <a:endParaRPr lang="en-US" dirty="0" smtClean="0"/>
+          </a:p>
+          <a:p>
+            <a:endParaRPr lang="en-US" dirty="0" smtClean="0"/>
+          </a:p>
+          <a:p>
+            <a:endParaRPr lang="en-US" dirty="0" smtClean="0"/>
+          </a:p>
           <a:p>
             <a:pPr marL="0" indent="0">
               <a:buNone/>
@@ -6084,6 +6365,25 @@
   <p:clrMapOvr>
     <a:masterClrMapping/>
   </p:clrMapOvr>
+  <mc:AlternateContent xmlns:mc="http://schemas.openxmlformats.org/markup-compatibility/2006">
+    <mc:Choice xmlns:p14="http://schemas.microsoft.com/office/powerpoint/2010/main" Requires="p14">
+      <p:transition spd="slow" p14:dur="800">
+        <p14:flythrough/>
+      </p:transition>
+    </mc:Choice>
+    <mc:Fallback>
+      <p:transition spd="slow">
+        <p:fade/>
+      </p:transition>
+    </mc:Fallback>
+  </mc:AlternateContent>
+  <p:timing>
+    <p:tnLst>
+      <p:par>
+        <p:cTn id="1" dur="indefinite" restart="never" nodeType="tmRoot"/>
+      </p:par>
+    </p:tnLst>
+  </p:timing>
 </p:sld>
 </file>
 
@@ -6120,10 +6420,10 @@
           <a:lstStyle/>
           <a:p>
             <a:r>
-              <a:rPr lang="en-US" dirty="0" smtClean="0"/>
+              <a:rPr lang="en-US" b="1" dirty="0" smtClean="0"/>
               <a:t>history</a:t>
             </a:r>
-            <a:endParaRPr lang="en-US" dirty="0"/>
+            <a:endParaRPr lang="en-US" b="1" dirty="0"/>
           </a:p>
         </p:txBody>
       </p:sp>
@@ -6235,6 +6535,844 @@
   <p:clrMapOvr>
     <a:masterClrMapping/>
   </p:clrMapOvr>
+  <mc:AlternateContent xmlns:mc="http://schemas.openxmlformats.org/markup-compatibility/2006">
+    <mc:Choice xmlns:p14="http://schemas.microsoft.com/office/powerpoint/2010/main" Requires="p14">
+      <p:transition spd="slow" p14:dur="800">
+        <p14:flythrough/>
+      </p:transition>
+    </mc:Choice>
+    <mc:Fallback>
+      <p:transition spd="slow">
+        <p:fade/>
+      </p:transition>
+    </mc:Fallback>
+  </mc:AlternateContent>
+  <p:timing>
+    <p:tnLst>
+      <p:par>
+        <p:cTn id="1" dur="indefinite" restart="never" nodeType="tmRoot">
+          <p:childTnLst>
+            <p:seq concurrent="1" nextAc="seek">
+              <p:cTn id="2" dur="indefinite" nodeType="mainSeq">
+                <p:childTnLst>
+                  <p:par>
+                    <p:cTn id="3" fill="hold">
+                      <p:stCondLst>
+                        <p:cond delay="indefinite"/>
+                        <p:cond evt="onBegin" delay="0">
+                          <p:tn val="2"/>
+                        </p:cond>
+                      </p:stCondLst>
+                      <p:childTnLst>
+                        <p:par>
+                          <p:cTn id="4" fill="hold">
+                            <p:stCondLst>
+                              <p:cond delay="0"/>
+                            </p:stCondLst>
+                            <p:childTnLst>
+                              <p:par>
+                                <p:cTn id="5" presetID="12" presetClass="entr" presetSubtype="4" fill="hold" grpId="0" nodeType="withEffect">
+                                  <p:stCondLst>
+                                    <p:cond delay="0"/>
+                                  </p:stCondLst>
+                                  <p:childTnLst>
+                                    <p:set>
+                                      <p:cBhvr>
+                                        <p:cTn id="6" dur="1" fill="hold">
+                                          <p:stCondLst>
+                                            <p:cond delay="0"/>
+                                          </p:stCondLst>
+                                        </p:cTn>
+                                        <p:tgtEl>
+                                          <p:spTgt spid="3">
+                                            <p:txEl>
+                                              <p:pRg st="0" end="0"/>
+                                            </p:txEl>
+                                          </p:spTgt>
+                                        </p:tgtEl>
+                                        <p:attrNameLst>
+                                          <p:attrName>style.visibility</p:attrName>
+                                        </p:attrNameLst>
+                                      </p:cBhvr>
+                                      <p:to>
+                                        <p:strVal val="visible"/>
+                                      </p:to>
+                                    </p:set>
+                                    <p:anim calcmode="lin" valueType="num">
+                                      <p:cBhvr additive="base">
+                                        <p:cTn id="7" dur="500"/>
+                                        <p:tgtEl>
+                                          <p:spTgt spid="3">
+                                            <p:txEl>
+                                              <p:pRg st="0" end="0"/>
+                                            </p:txEl>
+                                          </p:spTgt>
+                                        </p:tgtEl>
+                                        <p:attrNameLst>
+                                          <p:attrName>ppt_y</p:attrName>
+                                        </p:attrNameLst>
+                                      </p:cBhvr>
+                                      <p:tavLst>
+                                        <p:tav tm="0">
+                                          <p:val>
+                                            <p:strVal val="#ppt_y+#ppt_h*1.125000"/>
+                                          </p:val>
+                                        </p:tav>
+                                        <p:tav tm="100000">
+                                          <p:val>
+                                            <p:strVal val="#ppt_y"/>
+                                          </p:val>
+                                        </p:tav>
+                                      </p:tavLst>
+                                    </p:anim>
+                                    <p:animEffect transition="in" filter="wipe(up)">
+                                      <p:cBhvr>
+                                        <p:cTn id="8" dur="500"/>
+                                        <p:tgtEl>
+                                          <p:spTgt spid="3">
+                                            <p:txEl>
+                                              <p:pRg st="0" end="0"/>
+                                            </p:txEl>
+                                          </p:spTgt>
+                                        </p:tgtEl>
+                                      </p:cBhvr>
+                                    </p:animEffect>
+                                  </p:childTnLst>
+                                </p:cTn>
+                              </p:par>
+                            </p:childTnLst>
+                          </p:cTn>
+                        </p:par>
+                      </p:childTnLst>
+                    </p:cTn>
+                  </p:par>
+                  <p:par>
+                    <p:cTn id="9" fill="hold">
+                      <p:stCondLst>
+                        <p:cond delay="indefinite"/>
+                      </p:stCondLst>
+                      <p:childTnLst>
+                        <p:par>
+                          <p:cTn id="10" fill="hold">
+                            <p:stCondLst>
+                              <p:cond delay="0"/>
+                            </p:stCondLst>
+                            <p:childTnLst>
+                              <p:par>
+                                <p:cTn id="11" presetID="12" presetClass="entr" presetSubtype="4" fill="hold" grpId="0" nodeType="clickEffect">
+                                  <p:stCondLst>
+                                    <p:cond delay="0"/>
+                                  </p:stCondLst>
+                                  <p:childTnLst>
+                                    <p:set>
+                                      <p:cBhvr>
+                                        <p:cTn id="12" dur="1" fill="hold">
+                                          <p:stCondLst>
+                                            <p:cond delay="0"/>
+                                          </p:stCondLst>
+                                        </p:cTn>
+                                        <p:tgtEl>
+                                          <p:spTgt spid="3">
+                                            <p:txEl>
+                                              <p:pRg st="1" end="1"/>
+                                            </p:txEl>
+                                          </p:spTgt>
+                                        </p:tgtEl>
+                                        <p:attrNameLst>
+                                          <p:attrName>style.visibility</p:attrName>
+                                        </p:attrNameLst>
+                                      </p:cBhvr>
+                                      <p:to>
+                                        <p:strVal val="visible"/>
+                                      </p:to>
+                                    </p:set>
+                                    <p:anim calcmode="lin" valueType="num">
+                                      <p:cBhvr additive="base">
+                                        <p:cTn id="13" dur="500"/>
+                                        <p:tgtEl>
+                                          <p:spTgt spid="3">
+                                            <p:txEl>
+                                              <p:pRg st="1" end="1"/>
+                                            </p:txEl>
+                                          </p:spTgt>
+                                        </p:tgtEl>
+                                        <p:attrNameLst>
+                                          <p:attrName>ppt_y</p:attrName>
+                                        </p:attrNameLst>
+                                      </p:cBhvr>
+                                      <p:tavLst>
+                                        <p:tav tm="0">
+                                          <p:val>
+                                            <p:strVal val="#ppt_y+#ppt_h*1.125000"/>
+                                          </p:val>
+                                        </p:tav>
+                                        <p:tav tm="100000">
+                                          <p:val>
+                                            <p:strVal val="#ppt_y"/>
+                                          </p:val>
+                                        </p:tav>
+                                      </p:tavLst>
+                                    </p:anim>
+                                    <p:animEffect transition="in" filter="wipe(up)">
+                                      <p:cBhvr>
+                                        <p:cTn id="14" dur="500"/>
+                                        <p:tgtEl>
+                                          <p:spTgt spid="3">
+                                            <p:txEl>
+                                              <p:pRg st="1" end="1"/>
+                                            </p:txEl>
+                                          </p:spTgt>
+                                        </p:tgtEl>
+                                      </p:cBhvr>
+                                    </p:animEffect>
+                                  </p:childTnLst>
+                                </p:cTn>
+                              </p:par>
+                              <p:par>
+                                <p:cTn id="15" presetID="12" presetClass="entr" presetSubtype="4" fill="hold" grpId="0" nodeType="withEffect">
+                                  <p:stCondLst>
+                                    <p:cond delay="0"/>
+                                  </p:stCondLst>
+                                  <p:childTnLst>
+                                    <p:set>
+                                      <p:cBhvr>
+                                        <p:cTn id="16" dur="1" fill="hold">
+                                          <p:stCondLst>
+                                            <p:cond delay="0"/>
+                                          </p:stCondLst>
+                                        </p:cTn>
+                                        <p:tgtEl>
+                                          <p:spTgt spid="3">
+                                            <p:txEl>
+                                              <p:pRg st="2" end="2"/>
+                                            </p:txEl>
+                                          </p:spTgt>
+                                        </p:tgtEl>
+                                        <p:attrNameLst>
+                                          <p:attrName>style.visibility</p:attrName>
+                                        </p:attrNameLst>
+                                      </p:cBhvr>
+                                      <p:to>
+                                        <p:strVal val="visible"/>
+                                      </p:to>
+                                    </p:set>
+                                    <p:anim calcmode="lin" valueType="num">
+                                      <p:cBhvr additive="base">
+                                        <p:cTn id="17" dur="500"/>
+                                        <p:tgtEl>
+                                          <p:spTgt spid="3">
+                                            <p:txEl>
+                                              <p:pRg st="2" end="2"/>
+                                            </p:txEl>
+                                          </p:spTgt>
+                                        </p:tgtEl>
+                                        <p:attrNameLst>
+                                          <p:attrName>ppt_y</p:attrName>
+                                        </p:attrNameLst>
+                                      </p:cBhvr>
+                                      <p:tavLst>
+                                        <p:tav tm="0">
+                                          <p:val>
+                                            <p:strVal val="#ppt_y+#ppt_h*1.125000"/>
+                                          </p:val>
+                                        </p:tav>
+                                        <p:tav tm="100000">
+                                          <p:val>
+                                            <p:strVal val="#ppt_y"/>
+                                          </p:val>
+                                        </p:tav>
+                                      </p:tavLst>
+                                    </p:anim>
+                                    <p:animEffect transition="in" filter="wipe(up)">
+                                      <p:cBhvr>
+                                        <p:cTn id="18" dur="500"/>
+                                        <p:tgtEl>
+                                          <p:spTgt spid="3">
+                                            <p:txEl>
+                                              <p:pRg st="2" end="2"/>
+                                            </p:txEl>
+                                          </p:spTgt>
+                                        </p:tgtEl>
+                                      </p:cBhvr>
+                                    </p:animEffect>
+                                  </p:childTnLst>
+                                </p:cTn>
+                              </p:par>
+                            </p:childTnLst>
+                          </p:cTn>
+                        </p:par>
+                      </p:childTnLst>
+                    </p:cTn>
+                  </p:par>
+                  <p:par>
+                    <p:cTn id="19" fill="hold">
+                      <p:stCondLst>
+                        <p:cond delay="indefinite"/>
+                      </p:stCondLst>
+                      <p:childTnLst>
+                        <p:par>
+                          <p:cTn id="20" fill="hold">
+                            <p:stCondLst>
+                              <p:cond delay="0"/>
+                            </p:stCondLst>
+                            <p:childTnLst>
+                              <p:par>
+                                <p:cTn id="21" presetID="12" presetClass="entr" presetSubtype="4" fill="hold" grpId="0" nodeType="clickEffect">
+                                  <p:stCondLst>
+                                    <p:cond delay="0"/>
+                                  </p:stCondLst>
+                                  <p:childTnLst>
+                                    <p:set>
+                                      <p:cBhvr>
+                                        <p:cTn id="22" dur="1" fill="hold">
+                                          <p:stCondLst>
+                                            <p:cond delay="0"/>
+                                          </p:stCondLst>
+                                        </p:cTn>
+                                        <p:tgtEl>
+                                          <p:spTgt spid="3">
+                                            <p:txEl>
+                                              <p:pRg st="3" end="3"/>
+                                            </p:txEl>
+                                          </p:spTgt>
+                                        </p:tgtEl>
+                                        <p:attrNameLst>
+                                          <p:attrName>style.visibility</p:attrName>
+                                        </p:attrNameLst>
+                                      </p:cBhvr>
+                                      <p:to>
+                                        <p:strVal val="visible"/>
+                                      </p:to>
+                                    </p:set>
+                                    <p:anim calcmode="lin" valueType="num">
+                                      <p:cBhvr additive="base">
+                                        <p:cTn id="23" dur="500"/>
+                                        <p:tgtEl>
+                                          <p:spTgt spid="3">
+                                            <p:txEl>
+                                              <p:pRg st="3" end="3"/>
+                                            </p:txEl>
+                                          </p:spTgt>
+                                        </p:tgtEl>
+                                        <p:attrNameLst>
+                                          <p:attrName>ppt_y</p:attrName>
+                                        </p:attrNameLst>
+                                      </p:cBhvr>
+                                      <p:tavLst>
+                                        <p:tav tm="0">
+                                          <p:val>
+                                            <p:strVal val="#ppt_y+#ppt_h*1.125000"/>
+                                          </p:val>
+                                        </p:tav>
+                                        <p:tav tm="100000">
+                                          <p:val>
+                                            <p:strVal val="#ppt_y"/>
+                                          </p:val>
+                                        </p:tav>
+                                      </p:tavLst>
+                                    </p:anim>
+                                    <p:animEffect transition="in" filter="wipe(up)">
+                                      <p:cBhvr>
+                                        <p:cTn id="24" dur="500"/>
+                                        <p:tgtEl>
+                                          <p:spTgt spid="3">
+                                            <p:txEl>
+                                              <p:pRg st="3" end="3"/>
+                                            </p:txEl>
+                                          </p:spTgt>
+                                        </p:tgtEl>
+                                      </p:cBhvr>
+                                    </p:animEffect>
+                                  </p:childTnLst>
+                                </p:cTn>
+                              </p:par>
+                              <p:par>
+                                <p:cTn id="25" presetID="12" presetClass="entr" presetSubtype="4" fill="hold" grpId="0" nodeType="withEffect">
+                                  <p:stCondLst>
+                                    <p:cond delay="0"/>
+                                  </p:stCondLst>
+                                  <p:childTnLst>
+                                    <p:set>
+                                      <p:cBhvr>
+                                        <p:cTn id="26" dur="1" fill="hold">
+                                          <p:stCondLst>
+                                            <p:cond delay="0"/>
+                                          </p:stCondLst>
+                                        </p:cTn>
+                                        <p:tgtEl>
+                                          <p:spTgt spid="3">
+                                            <p:txEl>
+                                              <p:pRg st="4" end="4"/>
+                                            </p:txEl>
+                                          </p:spTgt>
+                                        </p:tgtEl>
+                                        <p:attrNameLst>
+                                          <p:attrName>style.visibility</p:attrName>
+                                        </p:attrNameLst>
+                                      </p:cBhvr>
+                                      <p:to>
+                                        <p:strVal val="visible"/>
+                                      </p:to>
+                                    </p:set>
+                                    <p:anim calcmode="lin" valueType="num">
+                                      <p:cBhvr additive="base">
+                                        <p:cTn id="27" dur="500"/>
+                                        <p:tgtEl>
+                                          <p:spTgt spid="3">
+                                            <p:txEl>
+                                              <p:pRg st="4" end="4"/>
+                                            </p:txEl>
+                                          </p:spTgt>
+                                        </p:tgtEl>
+                                        <p:attrNameLst>
+                                          <p:attrName>ppt_y</p:attrName>
+                                        </p:attrNameLst>
+                                      </p:cBhvr>
+                                      <p:tavLst>
+                                        <p:tav tm="0">
+                                          <p:val>
+                                            <p:strVal val="#ppt_y+#ppt_h*1.125000"/>
+                                          </p:val>
+                                        </p:tav>
+                                        <p:tav tm="100000">
+                                          <p:val>
+                                            <p:strVal val="#ppt_y"/>
+                                          </p:val>
+                                        </p:tav>
+                                      </p:tavLst>
+                                    </p:anim>
+                                    <p:animEffect transition="in" filter="wipe(up)">
+                                      <p:cBhvr>
+                                        <p:cTn id="28" dur="500"/>
+                                        <p:tgtEl>
+                                          <p:spTgt spid="3">
+                                            <p:txEl>
+                                              <p:pRg st="4" end="4"/>
+                                            </p:txEl>
+                                          </p:spTgt>
+                                        </p:tgtEl>
+                                      </p:cBhvr>
+                                    </p:animEffect>
+                                  </p:childTnLst>
+                                </p:cTn>
+                              </p:par>
+                              <p:par>
+                                <p:cTn id="29" presetID="12" presetClass="entr" presetSubtype="4" fill="hold" grpId="0" nodeType="withEffect">
+                                  <p:stCondLst>
+                                    <p:cond delay="0"/>
+                                  </p:stCondLst>
+                                  <p:childTnLst>
+                                    <p:set>
+                                      <p:cBhvr>
+                                        <p:cTn id="30" dur="1" fill="hold">
+                                          <p:stCondLst>
+                                            <p:cond delay="0"/>
+                                          </p:stCondLst>
+                                        </p:cTn>
+                                        <p:tgtEl>
+                                          <p:spTgt spid="3">
+                                            <p:txEl>
+                                              <p:pRg st="5" end="5"/>
+                                            </p:txEl>
+                                          </p:spTgt>
+                                        </p:tgtEl>
+                                        <p:attrNameLst>
+                                          <p:attrName>style.visibility</p:attrName>
+                                        </p:attrNameLst>
+                                      </p:cBhvr>
+                                      <p:to>
+                                        <p:strVal val="visible"/>
+                                      </p:to>
+                                    </p:set>
+                                    <p:anim calcmode="lin" valueType="num">
+                                      <p:cBhvr additive="base">
+                                        <p:cTn id="31" dur="500"/>
+                                        <p:tgtEl>
+                                          <p:spTgt spid="3">
+                                            <p:txEl>
+                                              <p:pRg st="5" end="5"/>
+                                            </p:txEl>
+                                          </p:spTgt>
+                                        </p:tgtEl>
+                                        <p:attrNameLst>
+                                          <p:attrName>ppt_y</p:attrName>
+                                        </p:attrNameLst>
+                                      </p:cBhvr>
+                                      <p:tavLst>
+                                        <p:tav tm="0">
+                                          <p:val>
+                                            <p:strVal val="#ppt_y+#ppt_h*1.125000"/>
+                                          </p:val>
+                                        </p:tav>
+                                        <p:tav tm="100000">
+                                          <p:val>
+                                            <p:strVal val="#ppt_y"/>
+                                          </p:val>
+                                        </p:tav>
+                                      </p:tavLst>
+                                    </p:anim>
+                                    <p:animEffect transition="in" filter="wipe(up)">
+                                      <p:cBhvr>
+                                        <p:cTn id="32" dur="500"/>
+                                        <p:tgtEl>
+                                          <p:spTgt spid="3">
+                                            <p:txEl>
+                                              <p:pRg st="5" end="5"/>
+                                            </p:txEl>
+                                          </p:spTgt>
+                                        </p:tgtEl>
+                                      </p:cBhvr>
+                                    </p:animEffect>
+                                  </p:childTnLst>
+                                </p:cTn>
+                              </p:par>
+                            </p:childTnLst>
+                          </p:cTn>
+                        </p:par>
+                      </p:childTnLst>
+                    </p:cTn>
+                  </p:par>
+                  <p:par>
+                    <p:cTn id="33" fill="hold">
+                      <p:stCondLst>
+                        <p:cond delay="indefinite"/>
+                      </p:stCondLst>
+                      <p:childTnLst>
+                        <p:par>
+                          <p:cTn id="34" fill="hold">
+                            <p:stCondLst>
+                              <p:cond delay="0"/>
+                            </p:stCondLst>
+                            <p:childTnLst>
+                              <p:par>
+                                <p:cTn id="35" presetID="12" presetClass="entr" presetSubtype="4" fill="hold" grpId="0" nodeType="clickEffect">
+                                  <p:stCondLst>
+                                    <p:cond delay="0"/>
+                                  </p:stCondLst>
+                                  <p:childTnLst>
+                                    <p:set>
+                                      <p:cBhvr>
+                                        <p:cTn id="36" dur="1" fill="hold">
+                                          <p:stCondLst>
+                                            <p:cond delay="0"/>
+                                          </p:stCondLst>
+                                        </p:cTn>
+                                        <p:tgtEl>
+                                          <p:spTgt spid="3">
+                                            <p:txEl>
+                                              <p:pRg st="6" end="6"/>
+                                            </p:txEl>
+                                          </p:spTgt>
+                                        </p:tgtEl>
+                                        <p:attrNameLst>
+                                          <p:attrName>style.visibility</p:attrName>
+                                        </p:attrNameLst>
+                                      </p:cBhvr>
+                                      <p:to>
+                                        <p:strVal val="visible"/>
+                                      </p:to>
+                                    </p:set>
+                                    <p:anim calcmode="lin" valueType="num">
+                                      <p:cBhvr additive="base">
+                                        <p:cTn id="37" dur="500"/>
+                                        <p:tgtEl>
+                                          <p:spTgt spid="3">
+                                            <p:txEl>
+                                              <p:pRg st="6" end="6"/>
+                                            </p:txEl>
+                                          </p:spTgt>
+                                        </p:tgtEl>
+                                        <p:attrNameLst>
+                                          <p:attrName>ppt_y</p:attrName>
+                                        </p:attrNameLst>
+                                      </p:cBhvr>
+                                      <p:tavLst>
+                                        <p:tav tm="0">
+                                          <p:val>
+                                            <p:strVal val="#ppt_y+#ppt_h*1.125000"/>
+                                          </p:val>
+                                        </p:tav>
+                                        <p:tav tm="100000">
+                                          <p:val>
+                                            <p:strVal val="#ppt_y"/>
+                                          </p:val>
+                                        </p:tav>
+                                      </p:tavLst>
+                                    </p:anim>
+                                    <p:animEffect transition="in" filter="wipe(up)">
+                                      <p:cBhvr>
+                                        <p:cTn id="38" dur="500"/>
+                                        <p:tgtEl>
+                                          <p:spTgt spid="3">
+                                            <p:txEl>
+                                              <p:pRg st="6" end="6"/>
+                                            </p:txEl>
+                                          </p:spTgt>
+                                        </p:tgtEl>
+                                      </p:cBhvr>
+                                    </p:animEffect>
+                                  </p:childTnLst>
+                                </p:cTn>
+                              </p:par>
+                              <p:par>
+                                <p:cTn id="39" presetID="12" presetClass="entr" presetSubtype="4" fill="hold" grpId="0" nodeType="withEffect">
+                                  <p:stCondLst>
+                                    <p:cond delay="0"/>
+                                  </p:stCondLst>
+                                  <p:childTnLst>
+                                    <p:set>
+                                      <p:cBhvr>
+                                        <p:cTn id="40" dur="1" fill="hold">
+                                          <p:stCondLst>
+                                            <p:cond delay="0"/>
+                                          </p:stCondLst>
+                                        </p:cTn>
+                                        <p:tgtEl>
+                                          <p:spTgt spid="3">
+                                            <p:txEl>
+                                              <p:pRg st="7" end="7"/>
+                                            </p:txEl>
+                                          </p:spTgt>
+                                        </p:tgtEl>
+                                        <p:attrNameLst>
+                                          <p:attrName>style.visibility</p:attrName>
+                                        </p:attrNameLst>
+                                      </p:cBhvr>
+                                      <p:to>
+                                        <p:strVal val="visible"/>
+                                      </p:to>
+                                    </p:set>
+                                    <p:anim calcmode="lin" valueType="num">
+                                      <p:cBhvr additive="base">
+                                        <p:cTn id="41" dur="500"/>
+                                        <p:tgtEl>
+                                          <p:spTgt spid="3">
+                                            <p:txEl>
+                                              <p:pRg st="7" end="7"/>
+                                            </p:txEl>
+                                          </p:spTgt>
+                                        </p:tgtEl>
+                                        <p:attrNameLst>
+                                          <p:attrName>ppt_y</p:attrName>
+                                        </p:attrNameLst>
+                                      </p:cBhvr>
+                                      <p:tavLst>
+                                        <p:tav tm="0">
+                                          <p:val>
+                                            <p:strVal val="#ppt_y+#ppt_h*1.125000"/>
+                                          </p:val>
+                                        </p:tav>
+                                        <p:tav tm="100000">
+                                          <p:val>
+                                            <p:strVal val="#ppt_y"/>
+                                          </p:val>
+                                        </p:tav>
+                                      </p:tavLst>
+                                    </p:anim>
+                                    <p:animEffect transition="in" filter="wipe(up)">
+                                      <p:cBhvr>
+                                        <p:cTn id="42" dur="500"/>
+                                        <p:tgtEl>
+                                          <p:spTgt spid="3">
+                                            <p:txEl>
+                                              <p:pRg st="7" end="7"/>
+                                            </p:txEl>
+                                          </p:spTgt>
+                                        </p:tgtEl>
+                                      </p:cBhvr>
+                                    </p:animEffect>
+                                  </p:childTnLst>
+                                </p:cTn>
+                              </p:par>
+                            </p:childTnLst>
+                          </p:cTn>
+                        </p:par>
+                      </p:childTnLst>
+                    </p:cTn>
+                  </p:par>
+                  <p:par>
+                    <p:cTn id="43" fill="hold">
+                      <p:stCondLst>
+                        <p:cond delay="indefinite"/>
+                      </p:stCondLst>
+                      <p:childTnLst>
+                        <p:par>
+                          <p:cTn id="44" fill="hold">
+                            <p:stCondLst>
+                              <p:cond delay="0"/>
+                            </p:stCondLst>
+                            <p:childTnLst>
+                              <p:par>
+                                <p:cTn id="45" presetID="12" presetClass="entr" presetSubtype="4" fill="hold" grpId="0" nodeType="clickEffect">
+                                  <p:stCondLst>
+                                    <p:cond delay="0"/>
+                                  </p:stCondLst>
+                                  <p:childTnLst>
+                                    <p:set>
+                                      <p:cBhvr>
+                                        <p:cTn id="46" dur="1" fill="hold">
+                                          <p:stCondLst>
+                                            <p:cond delay="0"/>
+                                          </p:stCondLst>
+                                        </p:cTn>
+                                        <p:tgtEl>
+                                          <p:spTgt spid="3">
+                                            <p:txEl>
+                                              <p:pRg st="8" end="8"/>
+                                            </p:txEl>
+                                          </p:spTgt>
+                                        </p:tgtEl>
+                                        <p:attrNameLst>
+                                          <p:attrName>style.visibility</p:attrName>
+                                        </p:attrNameLst>
+                                      </p:cBhvr>
+                                      <p:to>
+                                        <p:strVal val="visible"/>
+                                      </p:to>
+                                    </p:set>
+                                    <p:anim calcmode="lin" valueType="num">
+                                      <p:cBhvr additive="base">
+                                        <p:cTn id="47" dur="500"/>
+                                        <p:tgtEl>
+                                          <p:spTgt spid="3">
+                                            <p:txEl>
+                                              <p:pRg st="8" end="8"/>
+                                            </p:txEl>
+                                          </p:spTgt>
+                                        </p:tgtEl>
+                                        <p:attrNameLst>
+                                          <p:attrName>ppt_y</p:attrName>
+                                        </p:attrNameLst>
+                                      </p:cBhvr>
+                                      <p:tavLst>
+                                        <p:tav tm="0">
+                                          <p:val>
+                                            <p:strVal val="#ppt_y+#ppt_h*1.125000"/>
+                                          </p:val>
+                                        </p:tav>
+                                        <p:tav tm="100000">
+                                          <p:val>
+                                            <p:strVal val="#ppt_y"/>
+                                          </p:val>
+                                        </p:tav>
+                                      </p:tavLst>
+                                    </p:anim>
+                                    <p:animEffect transition="in" filter="wipe(up)">
+                                      <p:cBhvr>
+                                        <p:cTn id="48" dur="500"/>
+                                        <p:tgtEl>
+                                          <p:spTgt spid="3">
+                                            <p:txEl>
+                                              <p:pRg st="8" end="8"/>
+                                            </p:txEl>
+                                          </p:spTgt>
+                                        </p:tgtEl>
+                                      </p:cBhvr>
+                                    </p:animEffect>
+                                  </p:childTnLst>
+                                </p:cTn>
+                              </p:par>
+                              <p:par>
+                                <p:cTn id="49" presetID="12" presetClass="entr" presetSubtype="4" fill="hold" grpId="0" nodeType="withEffect">
+                                  <p:stCondLst>
+                                    <p:cond delay="0"/>
+                                  </p:stCondLst>
+                                  <p:childTnLst>
+                                    <p:set>
+                                      <p:cBhvr>
+                                        <p:cTn id="50" dur="1" fill="hold">
+                                          <p:stCondLst>
+                                            <p:cond delay="0"/>
+                                          </p:stCondLst>
+                                        </p:cTn>
+                                        <p:tgtEl>
+                                          <p:spTgt spid="3">
+                                            <p:txEl>
+                                              <p:pRg st="9" end="9"/>
+                                            </p:txEl>
+                                          </p:spTgt>
+                                        </p:tgtEl>
+                                        <p:attrNameLst>
+                                          <p:attrName>style.visibility</p:attrName>
+                                        </p:attrNameLst>
+                                      </p:cBhvr>
+                                      <p:to>
+                                        <p:strVal val="visible"/>
+                                      </p:to>
+                                    </p:set>
+                                    <p:anim calcmode="lin" valueType="num">
+                                      <p:cBhvr additive="base">
+                                        <p:cTn id="51" dur="500"/>
+                                        <p:tgtEl>
+                                          <p:spTgt spid="3">
+                                            <p:txEl>
+                                              <p:pRg st="9" end="9"/>
+                                            </p:txEl>
+                                          </p:spTgt>
+                                        </p:tgtEl>
+                                        <p:attrNameLst>
+                                          <p:attrName>ppt_y</p:attrName>
+                                        </p:attrNameLst>
+                                      </p:cBhvr>
+                                      <p:tavLst>
+                                        <p:tav tm="0">
+                                          <p:val>
+                                            <p:strVal val="#ppt_y+#ppt_h*1.125000"/>
+                                          </p:val>
+                                        </p:tav>
+                                        <p:tav tm="100000">
+                                          <p:val>
+                                            <p:strVal val="#ppt_y"/>
+                                          </p:val>
+                                        </p:tav>
+                                      </p:tavLst>
+                                    </p:anim>
+                                    <p:animEffect transition="in" filter="wipe(up)">
+                                      <p:cBhvr>
+                                        <p:cTn id="52" dur="500"/>
+                                        <p:tgtEl>
+                                          <p:spTgt spid="3">
+                                            <p:txEl>
+                                              <p:pRg st="9" end="9"/>
+                                            </p:txEl>
+                                          </p:spTgt>
+                                        </p:tgtEl>
+                                      </p:cBhvr>
+                                    </p:animEffect>
+                                  </p:childTnLst>
+                                </p:cTn>
+                              </p:par>
+                            </p:childTnLst>
+                          </p:cTn>
+                        </p:par>
+                      </p:childTnLst>
+                    </p:cTn>
+                  </p:par>
+                </p:childTnLst>
+              </p:cTn>
+              <p:prevCondLst>
+                <p:cond evt="onPrev" delay="0">
+                  <p:tgtEl>
+                    <p:sldTgt/>
+                  </p:tgtEl>
+                </p:cond>
+              </p:prevCondLst>
+              <p:nextCondLst>
+                <p:cond evt="onNext" delay="0">
+                  <p:tgtEl>
+                    <p:sldTgt/>
+                  </p:tgtEl>
+                </p:cond>
+              </p:nextCondLst>
+            </p:seq>
+          </p:childTnLst>
+        </p:cTn>
+      </p:par>
+    </p:tnLst>
+    <p:bldLst>
+      <p:bldP spid="3" grpId="0" uiExpand="1" build="p"/>
+    </p:bldLst>
+  </p:timing>
 </p:sld>
 </file>
 
@@ -6271,14 +7409,14 @@
           <a:lstStyle/>
           <a:p>
             <a:r>
-              <a:rPr lang="en-US" dirty="0" err="1" smtClean="0"/>
+              <a:rPr lang="en-US" b="1" dirty="0" err="1" smtClean="0"/>
               <a:t>aurelia</a:t>
             </a:r>
             <a:r>
-              <a:rPr lang="en-US" dirty="0" smtClean="0"/>
+              <a:rPr lang="en-US" b="1" dirty="0" smtClean="0"/>
               <a:t> is different. better.</a:t>
             </a:r>
-            <a:endParaRPr lang="en-US" dirty="0"/>
+            <a:endParaRPr lang="en-US" b="1" dirty="0"/>
           </a:p>
         </p:txBody>
       </p:sp>
@@ -6317,12 +7455,6 @@
           <a:p>
             <a:r>
               <a:rPr lang="en-US" dirty="0" smtClean="0"/>
-              <a:t>Flexible – use your choice of language, customize or replace conventions</a:t>
-            </a:r>
-          </a:p>
-          <a:p>
-            <a:r>
-              <a:rPr lang="en-US" dirty="0" smtClean="0"/>
               <a:t>Modern, modular architecture</a:t>
             </a:r>
           </a:p>
@@ -6337,6 +7469,33 @@
               <a:rPr lang="en-US" dirty="0" smtClean="0"/>
               <a:t>Uses JSPM</a:t>
             </a:r>
+          </a:p>
+          <a:p>
+            <a:endParaRPr lang="en-US" dirty="0"/>
+          </a:p>
+          <a:p>
+            <a:r>
+              <a:rPr lang="en-US" dirty="0" smtClean="0"/>
+              <a:t>Strongly opinionated – but very happy to accept your differing opinions</a:t>
+            </a:r>
+            <a:r>
+              <a:rPr lang="en-US" dirty="0" smtClean="0"/>
+              <a:t>.</a:t>
+            </a:r>
+          </a:p>
+          <a:p>
+            <a:endParaRPr lang="en-US" dirty="0"/>
+          </a:p>
+          <a:p>
+            <a:r>
+              <a:rPr lang="en-US" dirty="0" smtClean="0"/>
+              <a:t>Vs. Angular 2.0?  Listen to Rob on the Herding </a:t>
+            </a:r>
+            <a:r>
+              <a:rPr lang="en-US" smtClean="0"/>
+              <a:t>Code Podcast</a:t>
+            </a:r>
+            <a:endParaRPr lang="en-US" dirty="0" smtClean="0"/>
           </a:p>
           <a:p>
             <a:endParaRPr lang="en-US" dirty="0"/>
@@ -6353,6 +7512,758 @@
   <p:clrMapOvr>
     <a:masterClrMapping/>
   </p:clrMapOvr>
+  <mc:AlternateContent xmlns:mc="http://schemas.openxmlformats.org/markup-compatibility/2006">
+    <mc:Choice xmlns:p14="http://schemas.microsoft.com/office/powerpoint/2010/main" Requires="p14">
+      <p:transition spd="slow" p14:dur="800">
+        <p14:flythrough/>
+      </p:transition>
+    </mc:Choice>
+    <mc:Fallback>
+      <p:transition spd="slow">
+        <p:fade/>
+      </p:transition>
+    </mc:Fallback>
+  </mc:AlternateContent>
+  <p:timing>
+    <p:tnLst>
+      <p:par>
+        <p:cTn id="1" dur="indefinite" restart="never" nodeType="tmRoot">
+          <p:childTnLst>
+            <p:seq concurrent="1" nextAc="seek">
+              <p:cTn id="2" dur="indefinite" nodeType="mainSeq">
+                <p:childTnLst>
+                  <p:par>
+                    <p:cTn id="3" fill="hold">
+                      <p:stCondLst>
+                        <p:cond delay="indefinite"/>
+                        <p:cond evt="onBegin" delay="0">
+                          <p:tn val="2"/>
+                        </p:cond>
+                      </p:stCondLst>
+                      <p:childTnLst>
+                        <p:par>
+                          <p:cTn id="4" fill="hold">
+                            <p:stCondLst>
+                              <p:cond delay="0"/>
+                            </p:stCondLst>
+                            <p:childTnLst>
+                              <p:par>
+                                <p:cTn id="5" presetID="12" presetClass="entr" presetSubtype="4" fill="hold" grpId="0" nodeType="withEffect">
+                                  <p:stCondLst>
+                                    <p:cond delay="0"/>
+                                  </p:stCondLst>
+                                  <p:childTnLst>
+                                    <p:set>
+                                      <p:cBhvr>
+                                        <p:cTn id="6" dur="1" fill="hold">
+                                          <p:stCondLst>
+                                            <p:cond delay="0"/>
+                                          </p:stCondLst>
+                                        </p:cTn>
+                                        <p:tgtEl>
+                                          <p:spTgt spid="3">
+                                            <p:txEl>
+                                              <p:pRg st="0" end="0"/>
+                                            </p:txEl>
+                                          </p:spTgt>
+                                        </p:tgtEl>
+                                        <p:attrNameLst>
+                                          <p:attrName>style.visibility</p:attrName>
+                                        </p:attrNameLst>
+                                      </p:cBhvr>
+                                      <p:to>
+                                        <p:strVal val="visible"/>
+                                      </p:to>
+                                    </p:set>
+                                    <p:anim calcmode="lin" valueType="num">
+                                      <p:cBhvr additive="base">
+                                        <p:cTn id="7" dur="500"/>
+                                        <p:tgtEl>
+                                          <p:spTgt spid="3">
+                                            <p:txEl>
+                                              <p:pRg st="0" end="0"/>
+                                            </p:txEl>
+                                          </p:spTgt>
+                                        </p:tgtEl>
+                                        <p:attrNameLst>
+                                          <p:attrName>ppt_y</p:attrName>
+                                        </p:attrNameLst>
+                                      </p:cBhvr>
+                                      <p:tavLst>
+                                        <p:tav tm="0">
+                                          <p:val>
+                                            <p:strVal val="#ppt_y+#ppt_h*1.125000"/>
+                                          </p:val>
+                                        </p:tav>
+                                        <p:tav tm="100000">
+                                          <p:val>
+                                            <p:strVal val="#ppt_y"/>
+                                          </p:val>
+                                        </p:tav>
+                                      </p:tavLst>
+                                    </p:anim>
+                                    <p:animEffect transition="in" filter="wipe(up)">
+                                      <p:cBhvr>
+                                        <p:cTn id="8" dur="500"/>
+                                        <p:tgtEl>
+                                          <p:spTgt spid="3">
+                                            <p:txEl>
+                                              <p:pRg st="0" end="0"/>
+                                            </p:txEl>
+                                          </p:spTgt>
+                                        </p:tgtEl>
+                                      </p:cBhvr>
+                                    </p:animEffect>
+                                  </p:childTnLst>
+                                </p:cTn>
+                              </p:par>
+                            </p:childTnLst>
+                          </p:cTn>
+                        </p:par>
+                      </p:childTnLst>
+                    </p:cTn>
+                  </p:par>
+                  <p:par>
+                    <p:cTn id="9" fill="hold">
+                      <p:stCondLst>
+                        <p:cond delay="indefinite"/>
+                      </p:stCondLst>
+                      <p:childTnLst>
+                        <p:par>
+                          <p:cTn id="10" fill="hold">
+                            <p:stCondLst>
+                              <p:cond delay="0"/>
+                            </p:stCondLst>
+                            <p:childTnLst>
+                              <p:par>
+                                <p:cTn id="11" presetID="12" presetClass="entr" presetSubtype="4" fill="hold" grpId="0" nodeType="clickEffect">
+                                  <p:stCondLst>
+                                    <p:cond delay="0"/>
+                                  </p:stCondLst>
+                                  <p:childTnLst>
+                                    <p:set>
+                                      <p:cBhvr>
+                                        <p:cTn id="12" dur="1" fill="hold">
+                                          <p:stCondLst>
+                                            <p:cond delay="0"/>
+                                          </p:stCondLst>
+                                        </p:cTn>
+                                        <p:tgtEl>
+                                          <p:spTgt spid="3">
+                                            <p:txEl>
+                                              <p:pRg st="1" end="1"/>
+                                            </p:txEl>
+                                          </p:spTgt>
+                                        </p:tgtEl>
+                                        <p:attrNameLst>
+                                          <p:attrName>style.visibility</p:attrName>
+                                        </p:attrNameLst>
+                                      </p:cBhvr>
+                                      <p:to>
+                                        <p:strVal val="visible"/>
+                                      </p:to>
+                                    </p:set>
+                                    <p:anim calcmode="lin" valueType="num">
+                                      <p:cBhvr additive="base">
+                                        <p:cTn id="13" dur="500"/>
+                                        <p:tgtEl>
+                                          <p:spTgt spid="3">
+                                            <p:txEl>
+                                              <p:pRg st="1" end="1"/>
+                                            </p:txEl>
+                                          </p:spTgt>
+                                        </p:tgtEl>
+                                        <p:attrNameLst>
+                                          <p:attrName>ppt_y</p:attrName>
+                                        </p:attrNameLst>
+                                      </p:cBhvr>
+                                      <p:tavLst>
+                                        <p:tav tm="0">
+                                          <p:val>
+                                            <p:strVal val="#ppt_y+#ppt_h*1.125000"/>
+                                          </p:val>
+                                        </p:tav>
+                                        <p:tav tm="100000">
+                                          <p:val>
+                                            <p:strVal val="#ppt_y"/>
+                                          </p:val>
+                                        </p:tav>
+                                      </p:tavLst>
+                                    </p:anim>
+                                    <p:animEffect transition="in" filter="wipe(up)">
+                                      <p:cBhvr>
+                                        <p:cTn id="14" dur="500"/>
+                                        <p:tgtEl>
+                                          <p:spTgt spid="3">
+                                            <p:txEl>
+                                              <p:pRg st="1" end="1"/>
+                                            </p:txEl>
+                                          </p:spTgt>
+                                        </p:tgtEl>
+                                      </p:cBhvr>
+                                    </p:animEffect>
+                                  </p:childTnLst>
+                                </p:cTn>
+                              </p:par>
+                            </p:childTnLst>
+                          </p:cTn>
+                        </p:par>
+                      </p:childTnLst>
+                    </p:cTn>
+                  </p:par>
+                  <p:par>
+                    <p:cTn id="15" fill="hold">
+                      <p:stCondLst>
+                        <p:cond delay="indefinite"/>
+                      </p:stCondLst>
+                      <p:childTnLst>
+                        <p:par>
+                          <p:cTn id="16" fill="hold">
+                            <p:stCondLst>
+                              <p:cond delay="0"/>
+                            </p:stCondLst>
+                            <p:childTnLst>
+                              <p:par>
+                                <p:cTn id="17" presetID="12" presetClass="entr" presetSubtype="4" fill="hold" grpId="0" nodeType="clickEffect">
+                                  <p:stCondLst>
+                                    <p:cond delay="0"/>
+                                  </p:stCondLst>
+                                  <p:childTnLst>
+                                    <p:set>
+                                      <p:cBhvr>
+                                        <p:cTn id="18" dur="1" fill="hold">
+                                          <p:stCondLst>
+                                            <p:cond delay="0"/>
+                                          </p:stCondLst>
+                                        </p:cTn>
+                                        <p:tgtEl>
+                                          <p:spTgt spid="3">
+                                            <p:txEl>
+                                              <p:pRg st="2" end="2"/>
+                                            </p:txEl>
+                                          </p:spTgt>
+                                        </p:tgtEl>
+                                        <p:attrNameLst>
+                                          <p:attrName>style.visibility</p:attrName>
+                                        </p:attrNameLst>
+                                      </p:cBhvr>
+                                      <p:to>
+                                        <p:strVal val="visible"/>
+                                      </p:to>
+                                    </p:set>
+                                    <p:anim calcmode="lin" valueType="num">
+                                      <p:cBhvr additive="base">
+                                        <p:cTn id="19" dur="500"/>
+                                        <p:tgtEl>
+                                          <p:spTgt spid="3">
+                                            <p:txEl>
+                                              <p:pRg st="2" end="2"/>
+                                            </p:txEl>
+                                          </p:spTgt>
+                                        </p:tgtEl>
+                                        <p:attrNameLst>
+                                          <p:attrName>ppt_y</p:attrName>
+                                        </p:attrNameLst>
+                                      </p:cBhvr>
+                                      <p:tavLst>
+                                        <p:tav tm="0">
+                                          <p:val>
+                                            <p:strVal val="#ppt_y+#ppt_h*1.125000"/>
+                                          </p:val>
+                                        </p:tav>
+                                        <p:tav tm="100000">
+                                          <p:val>
+                                            <p:strVal val="#ppt_y"/>
+                                          </p:val>
+                                        </p:tav>
+                                      </p:tavLst>
+                                    </p:anim>
+                                    <p:animEffect transition="in" filter="wipe(up)">
+                                      <p:cBhvr>
+                                        <p:cTn id="20" dur="500"/>
+                                        <p:tgtEl>
+                                          <p:spTgt spid="3">
+                                            <p:txEl>
+                                              <p:pRg st="2" end="2"/>
+                                            </p:txEl>
+                                          </p:spTgt>
+                                        </p:tgtEl>
+                                      </p:cBhvr>
+                                    </p:animEffect>
+                                  </p:childTnLst>
+                                </p:cTn>
+                              </p:par>
+                            </p:childTnLst>
+                          </p:cTn>
+                        </p:par>
+                      </p:childTnLst>
+                    </p:cTn>
+                  </p:par>
+                  <p:par>
+                    <p:cTn id="21" fill="hold">
+                      <p:stCondLst>
+                        <p:cond delay="indefinite"/>
+                      </p:stCondLst>
+                      <p:childTnLst>
+                        <p:par>
+                          <p:cTn id="22" fill="hold">
+                            <p:stCondLst>
+                              <p:cond delay="0"/>
+                            </p:stCondLst>
+                            <p:childTnLst>
+                              <p:par>
+                                <p:cTn id="23" presetID="12" presetClass="entr" presetSubtype="4" fill="hold" grpId="0" nodeType="clickEffect">
+                                  <p:stCondLst>
+                                    <p:cond delay="0"/>
+                                  </p:stCondLst>
+                                  <p:childTnLst>
+                                    <p:set>
+                                      <p:cBhvr>
+                                        <p:cTn id="24" dur="1" fill="hold">
+                                          <p:stCondLst>
+                                            <p:cond delay="0"/>
+                                          </p:stCondLst>
+                                        </p:cTn>
+                                        <p:tgtEl>
+                                          <p:spTgt spid="3">
+                                            <p:txEl>
+                                              <p:pRg st="3" end="3"/>
+                                            </p:txEl>
+                                          </p:spTgt>
+                                        </p:tgtEl>
+                                        <p:attrNameLst>
+                                          <p:attrName>style.visibility</p:attrName>
+                                        </p:attrNameLst>
+                                      </p:cBhvr>
+                                      <p:to>
+                                        <p:strVal val="visible"/>
+                                      </p:to>
+                                    </p:set>
+                                    <p:anim calcmode="lin" valueType="num">
+                                      <p:cBhvr additive="base">
+                                        <p:cTn id="25" dur="500"/>
+                                        <p:tgtEl>
+                                          <p:spTgt spid="3">
+                                            <p:txEl>
+                                              <p:pRg st="3" end="3"/>
+                                            </p:txEl>
+                                          </p:spTgt>
+                                        </p:tgtEl>
+                                        <p:attrNameLst>
+                                          <p:attrName>ppt_y</p:attrName>
+                                        </p:attrNameLst>
+                                      </p:cBhvr>
+                                      <p:tavLst>
+                                        <p:tav tm="0">
+                                          <p:val>
+                                            <p:strVal val="#ppt_y+#ppt_h*1.125000"/>
+                                          </p:val>
+                                        </p:tav>
+                                        <p:tav tm="100000">
+                                          <p:val>
+                                            <p:strVal val="#ppt_y"/>
+                                          </p:val>
+                                        </p:tav>
+                                      </p:tavLst>
+                                    </p:anim>
+                                    <p:animEffect transition="in" filter="wipe(up)">
+                                      <p:cBhvr>
+                                        <p:cTn id="26" dur="500"/>
+                                        <p:tgtEl>
+                                          <p:spTgt spid="3">
+                                            <p:txEl>
+                                              <p:pRg st="3" end="3"/>
+                                            </p:txEl>
+                                          </p:spTgt>
+                                        </p:tgtEl>
+                                      </p:cBhvr>
+                                    </p:animEffect>
+                                  </p:childTnLst>
+                                </p:cTn>
+                              </p:par>
+                            </p:childTnLst>
+                          </p:cTn>
+                        </p:par>
+                      </p:childTnLst>
+                    </p:cTn>
+                  </p:par>
+                  <p:par>
+                    <p:cTn id="27" fill="hold">
+                      <p:stCondLst>
+                        <p:cond delay="indefinite"/>
+                      </p:stCondLst>
+                      <p:childTnLst>
+                        <p:par>
+                          <p:cTn id="28" fill="hold">
+                            <p:stCondLst>
+                              <p:cond delay="0"/>
+                            </p:stCondLst>
+                            <p:childTnLst>
+                              <p:par>
+                                <p:cTn id="29" presetID="12" presetClass="entr" presetSubtype="4" fill="hold" grpId="0" nodeType="clickEffect">
+                                  <p:stCondLst>
+                                    <p:cond delay="0"/>
+                                  </p:stCondLst>
+                                  <p:childTnLst>
+                                    <p:set>
+                                      <p:cBhvr>
+                                        <p:cTn id="30" dur="1" fill="hold">
+                                          <p:stCondLst>
+                                            <p:cond delay="0"/>
+                                          </p:stCondLst>
+                                        </p:cTn>
+                                        <p:tgtEl>
+                                          <p:spTgt spid="3">
+                                            <p:txEl>
+                                              <p:pRg st="4" end="4"/>
+                                            </p:txEl>
+                                          </p:spTgt>
+                                        </p:tgtEl>
+                                        <p:attrNameLst>
+                                          <p:attrName>style.visibility</p:attrName>
+                                        </p:attrNameLst>
+                                      </p:cBhvr>
+                                      <p:to>
+                                        <p:strVal val="visible"/>
+                                      </p:to>
+                                    </p:set>
+                                    <p:anim calcmode="lin" valueType="num">
+                                      <p:cBhvr additive="base">
+                                        <p:cTn id="31" dur="500"/>
+                                        <p:tgtEl>
+                                          <p:spTgt spid="3">
+                                            <p:txEl>
+                                              <p:pRg st="4" end="4"/>
+                                            </p:txEl>
+                                          </p:spTgt>
+                                        </p:tgtEl>
+                                        <p:attrNameLst>
+                                          <p:attrName>ppt_y</p:attrName>
+                                        </p:attrNameLst>
+                                      </p:cBhvr>
+                                      <p:tavLst>
+                                        <p:tav tm="0">
+                                          <p:val>
+                                            <p:strVal val="#ppt_y+#ppt_h*1.125000"/>
+                                          </p:val>
+                                        </p:tav>
+                                        <p:tav tm="100000">
+                                          <p:val>
+                                            <p:strVal val="#ppt_y"/>
+                                          </p:val>
+                                        </p:tav>
+                                      </p:tavLst>
+                                    </p:anim>
+                                    <p:animEffect transition="in" filter="wipe(up)">
+                                      <p:cBhvr>
+                                        <p:cTn id="32" dur="500"/>
+                                        <p:tgtEl>
+                                          <p:spTgt spid="3">
+                                            <p:txEl>
+                                              <p:pRg st="4" end="4"/>
+                                            </p:txEl>
+                                          </p:spTgt>
+                                        </p:tgtEl>
+                                      </p:cBhvr>
+                                    </p:animEffect>
+                                  </p:childTnLst>
+                                </p:cTn>
+                              </p:par>
+                            </p:childTnLst>
+                          </p:cTn>
+                        </p:par>
+                      </p:childTnLst>
+                    </p:cTn>
+                  </p:par>
+                  <p:par>
+                    <p:cTn id="33" fill="hold">
+                      <p:stCondLst>
+                        <p:cond delay="indefinite"/>
+                      </p:stCondLst>
+                      <p:childTnLst>
+                        <p:par>
+                          <p:cTn id="34" fill="hold">
+                            <p:stCondLst>
+                              <p:cond delay="0"/>
+                            </p:stCondLst>
+                            <p:childTnLst>
+                              <p:par>
+                                <p:cTn id="35" presetID="12" presetClass="entr" presetSubtype="4" fill="hold" grpId="0" nodeType="clickEffect">
+                                  <p:stCondLst>
+                                    <p:cond delay="0"/>
+                                  </p:stCondLst>
+                                  <p:childTnLst>
+                                    <p:set>
+                                      <p:cBhvr>
+                                        <p:cTn id="36" dur="1" fill="hold">
+                                          <p:stCondLst>
+                                            <p:cond delay="0"/>
+                                          </p:stCondLst>
+                                        </p:cTn>
+                                        <p:tgtEl>
+                                          <p:spTgt spid="3">
+                                            <p:txEl>
+                                              <p:pRg st="5" end="5"/>
+                                            </p:txEl>
+                                          </p:spTgt>
+                                        </p:tgtEl>
+                                        <p:attrNameLst>
+                                          <p:attrName>style.visibility</p:attrName>
+                                        </p:attrNameLst>
+                                      </p:cBhvr>
+                                      <p:to>
+                                        <p:strVal val="visible"/>
+                                      </p:to>
+                                    </p:set>
+                                    <p:anim calcmode="lin" valueType="num">
+                                      <p:cBhvr additive="base">
+                                        <p:cTn id="37" dur="500"/>
+                                        <p:tgtEl>
+                                          <p:spTgt spid="3">
+                                            <p:txEl>
+                                              <p:pRg st="5" end="5"/>
+                                            </p:txEl>
+                                          </p:spTgt>
+                                        </p:tgtEl>
+                                        <p:attrNameLst>
+                                          <p:attrName>ppt_y</p:attrName>
+                                        </p:attrNameLst>
+                                      </p:cBhvr>
+                                      <p:tavLst>
+                                        <p:tav tm="0">
+                                          <p:val>
+                                            <p:strVal val="#ppt_y+#ppt_h*1.125000"/>
+                                          </p:val>
+                                        </p:tav>
+                                        <p:tav tm="100000">
+                                          <p:val>
+                                            <p:strVal val="#ppt_y"/>
+                                          </p:val>
+                                        </p:tav>
+                                      </p:tavLst>
+                                    </p:anim>
+                                    <p:animEffect transition="in" filter="wipe(up)">
+                                      <p:cBhvr>
+                                        <p:cTn id="38" dur="500"/>
+                                        <p:tgtEl>
+                                          <p:spTgt spid="3">
+                                            <p:txEl>
+                                              <p:pRg st="5" end="5"/>
+                                            </p:txEl>
+                                          </p:spTgt>
+                                        </p:tgtEl>
+                                      </p:cBhvr>
+                                    </p:animEffect>
+                                  </p:childTnLst>
+                                </p:cTn>
+                              </p:par>
+                            </p:childTnLst>
+                          </p:cTn>
+                        </p:par>
+                      </p:childTnLst>
+                    </p:cTn>
+                  </p:par>
+                  <p:par>
+                    <p:cTn id="39" fill="hold">
+                      <p:stCondLst>
+                        <p:cond delay="indefinite"/>
+                      </p:stCondLst>
+                      <p:childTnLst>
+                        <p:par>
+                          <p:cTn id="40" fill="hold">
+                            <p:stCondLst>
+                              <p:cond delay="0"/>
+                            </p:stCondLst>
+                            <p:childTnLst>
+                              <p:par>
+                                <p:cTn id="41" presetID="12" presetClass="entr" presetSubtype="4" fill="hold" grpId="0" nodeType="clickEffect">
+                                  <p:stCondLst>
+                                    <p:cond delay="0"/>
+                                  </p:stCondLst>
+                                  <p:childTnLst>
+                                    <p:set>
+                                      <p:cBhvr>
+                                        <p:cTn id="42" dur="1" fill="hold">
+                                          <p:stCondLst>
+                                            <p:cond delay="0"/>
+                                          </p:stCondLst>
+                                        </p:cTn>
+                                        <p:tgtEl>
+                                          <p:spTgt spid="3">
+                                            <p:txEl>
+                                              <p:pRg st="7" end="7"/>
+                                            </p:txEl>
+                                          </p:spTgt>
+                                        </p:tgtEl>
+                                        <p:attrNameLst>
+                                          <p:attrName>style.visibility</p:attrName>
+                                        </p:attrNameLst>
+                                      </p:cBhvr>
+                                      <p:to>
+                                        <p:strVal val="visible"/>
+                                      </p:to>
+                                    </p:set>
+                                    <p:anim calcmode="lin" valueType="num">
+                                      <p:cBhvr additive="base">
+                                        <p:cTn id="43" dur="500"/>
+                                        <p:tgtEl>
+                                          <p:spTgt spid="3">
+                                            <p:txEl>
+                                              <p:pRg st="7" end="7"/>
+                                            </p:txEl>
+                                          </p:spTgt>
+                                        </p:tgtEl>
+                                        <p:attrNameLst>
+                                          <p:attrName>ppt_y</p:attrName>
+                                        </p:attrNameLst>
+                                      </p:cBhvr>
+                                      <p:tavLst>
+                                        <p:tav tm="0">
+                                          <p:val>
+                                            <p:strVal val="#ppt_y+#ppt_h*1.125000"/>
+                                          </p:val>
+                                        </p:tav>
+                                        <p:tav tm="100000">
+                                          <p:val>
+                                            <p:strVal val="#ppt_y"/>
+                                          </p:val>
+                                        </p:tav>
+                                      </p:tavLst>
+                                    </p:anim>
+                                    <p:animEffect transition="in" filter="wipe(up)">
+                                      <p:cBhvr>
+                                        <p:cTn id="44" dur="500"/>
+                                        <p:tgtEl>
+                                          <p:spTgt spid="3">
+                                            <p:txEl>
+                                              <p:pRg st="7" end="7"/>
+                                            </p:txEl>
+                                          </p:spTgt>
+                                        </p:tgtEl>
+                                      </p:cBhvr>
+                                    </p:animEffect>
+                                  </p:childTnLst>
+                                </p:cTn>
+                              </p:par>
+                            </p:childTnLst>
+                          </p:cTn>
+                        </p:par>
+                      </p:childTnLst>
+                    </p:cTn>
+                  </p:par>
+                  <p:par>
+                    <p:cTn id="45" fill="hold">
+                      <p:stCondLst>
+                        <p:cond delay="indefinite"/>
+                      </p:stCondLst>
+                      <p:childTnLst>
+                        <p:par>
+                          <p:cTn id="46" fill="hold">
+                            <p:stCondLst>
+                              <p:cond delay="0"/>
+                            </p:stCondLst>
+                            <p:childTnLst>
+                              <p:par>
+                                <p:cTn id="47" presetID="12" presetClass="entr" presetSubtype="4" fill="hold" grpId="0" nodeType="clickEffect">
+                                  <p:stCondLst>
+                                    <p:cond delay="0"/>
+                                  </p:stCondLst>
+                                  <p:childTnLst>
+                                    <p:set>
+                                      <p:cBhvr>
+                                        <p:cTn id="48" dur="1" fill="hold">
+                                          <p:stCondLst>
+                                            <p:cond delay="0"/>
+                                          </p:stCondLst>
+                                        </p:cTn>
+                                        <p:tgtEl>
+                                          <p:spTgt spid="3">
+                                            <p:txEl>
+                                              <p:pRg st="9" end="9"/>
+                                            </p:txEl>
+                                          </p:spTgt>
+                                        </p:tgtEl>
+                                        <p:attrNameLst>
+                                          <p:attrName>style.visibility</p:attrName>
+                                        </p:attrNameLst>
+                                      </p:cBhvr>
+                                      <p:to>
+                                        <p:strVal val="visible"/>
+                                      </p:to>
+                                    </p:set>
+                                    <p:anim calcmode="lin" valueType="num">
+                                      <p:cBhvr additive="base">
+                                        <p:cTn id="49" dur="500"/>
+                                        <p:tgtEl>
+                                          <p:spTgt spid="3">
+                                            <p:txEl>
+                                              <p:pRg st="9" end="9"/>
+                                            </p:txEl>
+                                          </p:spTgt>
+                                        </p:tgtEl>
+                                        <p:attrNameLst>
+                                          <p:attrName>ppt_y</p:attrName>
+                                        </p:attrNameLst>
+                                      </p:cBhvr>
+                                      <p:tavLst>
+                                        <p:tav tm="0">
+                                          <p:val>
+                                            <p:strVal val="#ppt_y+#ppt_h*1.125000"/>
+                                          </p:val>
+                                        </p:tav>
+                                        <p:tav tm="100000">
+                                          <p:val>
+                                            <p:strVal val="#ppt_y"/>
+                                          </p:val>
+                                        </p:tav>
+                                      </p:tavLst>
+                                    </p:anim>
+                                    <p:animEffect transition="in" filter="wipe(up)">
+                                      <p:cBhvr>
+                                        <p:cTn id="50" dur="500"/>
+                                        <p:tgtEl>
+                                          <p:spTgt spid="3">
+                                            <p:txEl>
+                                              <p:pRg st="9" end="9"/>
+                                            </p:txEl>
+                                          </p:spTgt>
+                                        </p:tgtEl>
+                                      </p:cBhvr>
+                                    </p:animEffect>
+                                  </p:childTnLst>
+                                </p:cTn>
+                              </p:par>
+                            </p:childTnLst>
+                          </p:cTn>
+                        </p:par>
+                      </p:childTnLst>
+                    </p:cTn>
+                  </p:par>
+                </p:childTnLst>
+              </p:cTn>
+              <p:prevCondLst>
+                <p:cond evt="onPrev" delay="0">
+                  <p:tgtEl>
+                    <p:sldTgt/>
+                  </p:tgtEl>
+                </p:cond>
+              </p:prevCondLst>
+              <p:nextCondLst>
+                <p:cond evt="onNext" delay="0">
+                  <p:tgtEl>
+                    <p:sldTgt/>
+                  </p:tgtEl>
+                </p:cond>
+              </p:nextCondLst>
+            </p:seq>
+          </p:childTnLst>
+        </p:cTn>
+      </p:par>
+    </p:tnLst>
+    <p:bldLst>
+      <p:bldP spid="3" grpId="0" uiExpand="1" build="p"/>
+    </p:bldLst>
+  </p:timing>
 </p:sld>
 </file>
 
@@ -6391,10 +8302,10 @@
           <a:lstStyle/>
           <a:p>
             <a:r>
-              <a:rPr lang="en-US" sz="6000" dirty="0" smtClean="0"/>
+              <a:rPr lang="en-US" sz="6000" b="1" dirty="0" smtClean="0"/>
               <a:t>code</a:t>
             </a:r>
-            <a:endParaRPr lang="en-US" sz="6000" dirty="0"/>
+            <a:endParaRPr lang="en-US" sz="6000" b="1" dirty="0"/>
           </a:p>
         </p:txBody>
       </p:sp>
@@ -6427,6 +8338,25 @@
   <p:clrMapOvr>
     <a:masterClrMapping/>
   </p:clrMapOvr>
+  <mc:AlternateContent xmlns:mc="http://schemas.openxmlformats.org/markup-compatibility/2006">
+    <mc:Choice xmlns:p14="http://schemas.microsoft.com/office/powerpoint/2010/main" Requires="p14">
+      <p:transition spd="slow" p14:dur="800">
+        <p14:flythrough/>
+      </p:transition>
+    </mc:Choice>
+    <mc:Fallback>
+      <p:transition spd="slow">
+        <p:fade/>
+      </p:transition>
+    </mc:Fallback>
+  </mc:AlternateContent>
+  <p:timing>
+    <p:tnLst>
+      <p:par>
+        <p:cTn id="1" dur="indefinite" restart="never" nodeType="tmRoot"/>
+      </p:par>
+    </p:tnLst>
+  </p:timing>
 </p:sld>
 </file>
 
@@ -6463,31 +8393,135 @@
           <a:lstStyle/>
           <a:p>
             <a:r>
+              <a:rPr lang="en-US" b="1" dirty="0" smtClean="0"/>
+              <a:t>get started</a:t>
+            </a:r>
+            <a:endParaRPr lang="en-US" b="1" dirty="0"/>
+          </a:p>
+        </p:txBody>
+      </p:sp>
+      <p:sp>
+        <p:nvSpPr>
+          <p:cNvPr id="3" name="Content Placeholder 2"/>
+          <p:cNvSpPr>
+            <a:spLocks noGrp="1"/>
+          </p:cNvSpPr>
+          <p:nvPr>
+            <p:ph idx="1"/>
+          </p:nvPr>
+        </p:nvSpPr>
+        <p:spPr>
+          <a:xfrm>
+            <a:off x="677334" y="1716157"/>
+            <a:ext cx="8596668" cy="2170043"/>
+          </a:xfrm>
+        </p:spPr>
+        <p:txBody>
+          <a:bodyPr>
+            <a:normAutofit/>
+          </a:bodyPr>
+          <a:lstStyle/>
+          <a:p>
+            <a:r>
+              <a:rPr lang="en-US" b="1" dirty="0" err="1" smtClean="0">
+                <a:hlinkClick r:id="rId2"/>
+              </a:rPr>
+              <a:t>aurelia.io</a:t>
+            </a:r>
+            <a:endParaRPr lang="en-US" b="1" dirty="0" smtClean="0"/>
+          </a:p>
+          <a:p>
+            <a:r>
               <a:rPr lang="en-US" dirty="0" smtClean="0"/>
-              <a:t>get started</a:t>
-            </a:r>
+              <a:t>Read the docs</a:t>
+            </a:r>
+          </a:p>
+          <a:p>
+            <a:r>
+              <a:rPr lang="en-US" dirty="0" smtClean="0"/>
+              <a:t>Subscribe to the </a:t>
+            </a:r>
+            <a:r>
+              <a:rPr lang="en-US" dirty="0" smtClean="0"/>
+              <a:t>blog</a:t>
+            </a:r>
+          </a:p>
+          <a:p>
+            <a:r>
+              <a:rPr lang="en-US" dirty="0" smtClean="0"/>
+              <a:t>Podcasts with Rob Eisenberg</a:t>
+            </a:r>
+            <a:endParaRPr lang="en-US" dirty="0" smtClean="0"/>
+          </a:p>
+          <a:p>
+            <a:r>
+              <a:rPr lang="en-US" dirty="0" smtClean="0"/>
+              <a:t>Build something!</a:t>
+            </a:r>
+          </a:p>
+          <a:p>
+            <a:endParaRPr lang="en-US" dirty="0" smtClean="0"/>
+          </a:p>
+          <a:p>
             <a:endParaRPr lang="en-US" dirty="0"/>
           </a:p>
-        </p:txBody>
-      </p:sp>
-      <p:sp>
-        <p:nvSpPr>
-          <p:cNvPr id="3" name="Content Placeholder 2"/>
-          <p:cNvSpPr>
-            <a:spLocks noGrp="1"/>
-          </p:cNvSpPr>
-          <p:nvPr>
-            <p:ph idx="1"/>
-          </p:nvPr>
-        </p:nvSpPr>
-        <p:spPr/>
-        <p:txBody>
-          <a:bodyPr/>
+          <a:p>
+            <a:pPr marL="0" indent="0">
+              <a:buNone/>
+            </a:pPr>
+            <a:endParaRPr lang="en-US" b="1" dirty="0">
+              <a:solidFill>
+                <a:schemeClr val="accent2"/>
+              </a:solidFill>
+              <a:latin typeface="+mj-lt"/>
+            </a:endParaRPr>
+          </a:p>
+        </p:txBody>
+      </p:sp>
+      <p:sp>
+        <p:nvSpPr>
+          <p:cNvPr id="4" name="TextBox 3"/>
+          <p:cNvSpPr txBox="1"/>
+          <p:nvPr/>
+        </p:nvSpPr>
+        <p:spPr>
+          <a:xfrm>
+            <a:off x="3585575" y="4572000"/>
+            <a:ext cx="2780185" cy="1200329"/>
+          </a:xfrm>
+          <a:prstGeom prst="rect">
+            <a:avLst/>
+          </a:prstGeom>
+          <a:noFill/>
+        </p:spPr>
+        <p:txBody>
+          <a:bodyPr wrap="none" rtlCol="0">
+            <a:spAutoFit/>
+          </a:bodyPr>
           <a:lstStyle/>
           <a:p>
-            <a:r>
-              <a:rPr lang="en-US" dirty="0" smtClean="0"/>
-              <a:t>aurelia.io</a:t>
+            <a:pPr algn="ctr"/>
+            <a:r>
+              <a:rPr lang="en-US" sz="3600" b="1" dirty="0">
+                <a:solidFill>
+                  <a:schemeClr val="accent2"/>
+                </a:solidFill>
+                <a:latin typeface="+mj-lt"/>
+              </a:rPr>
+              <a:t>Thank You!</a:t>
+            </a:r>
+          </a:p>
+          <a:p>
+            <a:pPr algn="ctr"/>
+            <a:endParaRPr lang="en-US" dirty="0"/>
+          </a:p>
+          <a:p>
+            <a:pPr algn="ctr"/>
+            <a:r>
+              <a:rPr lang="en-US" b="1" dirty="0" smtClean="0">
+                <a:hlinkClick r:id="rId3"/>
+              </a:rPr>
+              <a:t>adam@adambarney.com</a:t>
             </a:r>
             <a:endParaRPr lang="en-US" dirty="0"/>
           </a:p>
@@ -6503,6 +8537,127 @@
   <p:clrMapOvr>
     <a:masterClrMapping/>
   </p:clrMapOvr>
+  <mc:AlternateContent xmlns:mc="http://schemas.openxmlformats.org/markup-compatibility/2006">
+    <mc:Choice xmlns:p14="http://schemas.microsoft.com/office/powerpoint/2010/main" Requires="p14">
+      <p:transition spd="slow" p14:dur="800">
+        <p14:flythrough/>
+      </p:transition>
+    </mc:Choice>
+    <mc:Fallback>
+      <p:transition spd="slow">
+        <p:fade/>
+      </p:transition>
+    </mc:Fallback>
+  </mc:AlternateContent>
+  <p:timing>
+    <p:tnLst>
+      <p:par>
+        <p:cTn id="1" dur="indefinite" restart="never" nodeType="tmRoot">
+          <p:childTnLst>
+            <p:seq concurrent="1" nextAc="seek">
+              <p:cTn id="2" dur="indefinite" nodeType="mainSeq">
+                <p:childTnLst>
+                  <p:par>
+                    <p:cTn id="3" fill="hold">
+                      <p:stCondLst>
+                        <p:cond delay="indefinite"/>
+                      </p:stCondLst>
+                      <p:childTnLst>
+                        <p:par>
+                          <p:cTn id="4" fill="hold">
+                            <p:stCondLst>
+                              <p:cond delay="0"/>
+                            </p:stCondLst>
+                            <p:childTnLst>
+                              <p:par>
+                                <p:cTn id="5" presetID="12" presetClass="entr" presetSubtype="4" fill="hold" grpId="0" nodeType="clickEffect">
+                                  <p:stCondLst>
+                                    <p:cond delay="0"/>
+                                  </p:stCondLst>
+                                  <p:childTnLst>
+                                    <p:set>
+                                      <p:cBhvr>
+                                        <p:cTn id="6" dur="1" fill="hold">
+                                          <p:stCondLst>
+                                            <p:cond delay="0"/>
+                                          </p:stCondLst>
+                                        </p:cTn>
+                                        <p:tgtEl>
+                                          <p:spTgt spid="4"/>
+                                        </p:tgtEl>
+                                        <p:attrNameLst>
+                                          <p:attrName>style.visibility</p:attrName>
+                                        </p:attrNameLst>
+                                      </p:cBhvr>
+                                      <p:to>
+                                        <p:strVal val="visible"/>
+                                      </p:to>
+                                    </p:set>
+                                    <p:anim calcmode="lin" valueType="num">
+                                      <p:cBhvr additive="base">
+                                        <p:cTn id="7" dur="500"/>
+                                        <p:tgtEl>
+                                          <p:spTgt spid="4"/>
+                                        </p:tgtEl>
+                                        <p:attrNameLst>
+                                          <p:attrName>ppt_y</p:attrName>
+                                        </p:attrNameLst>
+                                      </p:cBhvr>
+                                      <p:tavLst>
+                                        <p:tav tm="0">
+                                          <p:val>
+                                            <p:strVal val="#ppt_y+#ppt_h*1.125000"/>
+                                          </p:val>
+                                        </p:tav>
+                                        <p:tav tm="100000">
+                                          <p:val>
+                                            <p:strVal val="#ppt_y"/>
+                                          </p:val>
+                                        </p:tav>
+                                      </p:tavLst>
+                                    </p:anim>
+                                    <p:animEffect transition="in" filter="wipe(up)">
+                                      <p:cBhvr>
+                                        <p:cTn id="8" dur="500"/>
+                                        <p:tgtEl>
+                                          <p:spTgt spid="4"/>
+                                        </p:tgtEl>
+                                      </p:cBhvr>
+                                    </p:animEffect>
+                                  </p:childTnLst>
+                                </p:cTn>
+                              </p:par>
+                            </p:childTnLst>
+                          </p:cTn>
+                        </p:par>
+                      </p:childTnLst>
+                    </p:cTn>
+                  </p:par>
+                </p:childTnLst>
+              </p:cTn>
+              <p:prevCondLst>
+                <p:cond evt="onPrev" delay="0">
+                  <p:tgtEl>
+                    <p:sldTgt/>
+                  </p:tgtEl>
+                </p:cond>
+              </p:prevCondLst>
+              <p:nextCondLst>
+                <p:cond evt="onNext" delay="0">
+                  <p:tgtEl>
+                    <p:sldTgt/>
+                  </p:tgtEl>
+                </p:cond>
+              </p:nextCondLst>
+            </p:seq>
+          </p:childTnLst>
+        </p:cTn>
+      </p:par>
+    </p:tnLst>
+    <p:bldLst>
+      <p:bldP spid="4" grpId="0" uiExpand="1"/>
+    </p:bldLst>
+  </p:timing>
 </p:sld>
 </file>
 

--- a/Slides.pptx
+++ b/Slides.pptx
@@ -7,10 +7,11 @@
   <p:sldIdLst>
     <p:sldId id="256" r:id="rId2"/>
     <p:sldId id="257" r:id="rId3"/>
-    <p:sldId id="259" r:id="rId4"/>
-    <p:sldId id="258" r:id="rId5"/>
-    <p:sldId id="261" r:id="rId6"/>
-    <p:sldId id="260" r:id="rId7"/>
+    <p:sldId id="262" r:id="rId4"/>
+    <p:sldId id="259" r:id="rId5"/>
+    <p:sldId id="258" r:id="rId6"/>
+    <p:sldId id="261" r:id="rId7"/>
+    <p:sldId id="260" r:id="rId8"/>
   </p:sldIdLst>
   <p:sldSz cx="12192000" cy="6858000"/>
   <p:notesSz cx="6858000" cy="9144000"/>
@@ -6286,8 +6287,23 @@
           <a:p>
             <a:r>
               <a:rPr lang="en-US" dirty="0" smtClean="0"/>
-              <a:t>Barney Consulting, Inc. – Lincoln, NE</a:t>
-            </a:r>
+              <a:t>Barney Consulting, Inc. – Lincoln, </a:t>
+            </a:r>
+            <a:r>
+              <a:rPr lang="en-US" dirty="0" smtClean="0"/>
+              <a:t>NE</a:t>
+            </a:r>
+          </a:p>
+          <a:p>
+            <a:r>
+              <a:rPr lang="en-US" dirty="0" smtClean="0"/>
+              <a:t>Microsoft .NET MVP (C#), </a:t>
+            </a:r>
+            <a:r>
+              <a:rPr lang="en-US" dirty="0" err="1" smtClean="0"/>
+              <a:t>ASPInsider</a:t>
+            </a:r>
+            <a:endParaRPr lang="en-US" dirty="0" smtClean="0"/>
           </a:p>
           <a:p>
             <a:r>
@@ -6421,7 +6437,7 @@
           <a:p>
             <a:r>
               <a:rPr lang="en-US" b="1" dirty="0" smtClean="0"/>
-              <a:t>history</a:t>
+              <a:t>expectations</a:t>
             </a:r>
             <a:endParaRPr lang="en-US" b="1" dirty="0"/>
           </a:p>
@@ -6444,6 +6460,585 @@
           <a:p>
             <a:r>
               <a:rPr lang="en-US" dirty="0" smtClean="0"/>
+              <a:t>I’m not a JavaScript guru</a:t>
+            </a:r>
+          </a:p>
+          <a:p>
+            <a:r>
+              <a:rPr lang="en-US" dirty="0" smtClean="0"/>
+              <a:t>I’ve used other frameworks, but not extensively</a:t>
+            </a:r>
+          </a:p>
+          <a:p>
+            <a:r>
+              <a:rPr lang="en-US" dirty="0" smtClean="0"/>
+              <a:t>Aurelia is not ready for production use </a:t>
+            </a:r>
+            <a:r>
+              <a:rPr lang="en-US" i="1" dirty="0" smtClean="0"/>
+              <a:t>yet</a:t>
+            </a:r>
+            <a:endParaRPr lang="en-US" dirty="0"/>
+          </a:p>
+          <a:p>
+            <a:r>
+              <a:rPr lang="en-US" dirty="0" smtClean="0"/>
+              <a:t>There is too much awesome to cover in one session</a:t>
+            </a:r>
+          </a:p>
+          <a:p>
+            <a:pPr lvl="1"/>
+            <a:r>
+              <a:rPr lang="en-US" dirty="0" smtClean="0"/>
+              <a:t>Easy to get sidetracked, feel free to push me on a tangent</a:t>
+            </a:r>
+          </a:p>
+          <a:p>
+            <a:pPr lvl="1"/>
+            <a:endParaRPr lang="en-US" dirty="0"/>
+          </a:p>
+        </p:txBody>
+      </p:sp>
+    </p:spTree>
+    <p:extLst>
+      <p:ext uri="{BB962C8B-B14F-4D97-AF65-F5344CB8AC3E}">
+        <p14:creationId xmlns:p14="http://schemas.microsoft.com/office/powerpoint/2010/main" val="87755422"/>
+      </p:ext>
+    </p:extLst>
+  </p:cSld>
+  <p:clrMapOvr>
+    <a:masterClrMapping/>
+  </p:clrMapOvr>
+  <mc:AlternateContent xmlns:mc="http://schemas.openxmlformats.org/markup-compatibility/2006">
+    <mc:Choice xmlns:p14="http://schemas.microsoft.com/office/powerpoint/2010/main" Requires="p14">
+      <p:transition spd="slow" p14:dur="800">
+        <p14:flythrough/>
+      </p:transition>
+    </mc:Choice>
+    <mc:Fallback>
+      <p:transition spd="slow">
+        <p:fade/>
+      </p:transition>
+    </mc:Fallback>
+  </mc:AlternateContent>
+  <p:timing>
+    <p:tnLst>
+      <p:par>
+        <p:cTn id="1" dur="indefinite" restart="never" nodeType="tmRoot">
+          <p:childTnLst>
+            <p:seq concurrent="1" nextAc="seek">
+              <p:cTn id="2" dur="indefinite" nodeType="mainSeq">
+                <p:childTnLst>
+                  <p:par>
+                    <p:cTn id="3" fill="hold">
+                      <p:stCondLst>
+                        <p:cond delay="indefinite"/>
+                        <p:cond evt="onBegin" delay="0">
+                          <p:tn val="2"/>
+                        </p:cond>
+                      </p:stCondLst>
+                      <p:childTnLst>
+                        <p:par>
+                          <p:cTn id="4" fill="hold">
+                            <p:stCondLst>
+                              <p:cond delay="0"/>
+                            </p:stCondLst>
+                            <p:childTnLst>
+                              <p:par>
+                                <p:cTn id="5" presetID="12" presetClass="entr" presetSubtype="4" fill="hold" grpId="0" nodeType="withEffect">
+                                  <p:stCondLst>
+                                    <p:cond delay="0"/>
+                                  </p:stCondLst>
+                                  <p:childTnLst>
+                                    <p:set>
+                                      <p:cBhvr>
+                                        <p:cTn id="6" dur="1" fill="hold">
+                                          <p:stCondLst>
+                                            <p:cond delay="0"/>
+                                          </p:stCondLst>
+                                        </p:cTn>
+                                        <p:tgtEl>
+                                          <p:spTgt spid="3">
+                                            <p:txEl>
+                                              <p:pRg st="0" end="0"/>
+                                            </p:txEl>
+                                          </p:spTgt>
+                                        </p:tgtEl>
+                                        <p:attrNameLst>
+                                          <p:attrName>style.visibility</p:attrName>
+                                        </p:attrNameLst>
+                                      </p:cBhvr>
+                                      <p:to>
+                                        <p:strVal val="visible"/>
+                                      </p:to>
+                                    </p:set>
+                                    <p:anim calcmode="lin" valueType="num">
+                                      <p:cBhvr additive="base">
+                                        <p:cTn id="7" dur="500"/>
+                                        <p:tgtEl>
+                                          <p:spTgt spid="3">
+                                            <p:txEl>
+                                              <p:pRg st="0" end="0"/>
+                                            </p:txEl>
+                                          </p:spTgt>
+                                        </p:tgtEl>
+                                        <p:attrNameLst>
+                                          <p:attrName>ppt_y</p:attrName>
+                                        </p:attrNameLst>
+                                      </p:cBhvr>
+                                      <p:tavLst>
+                                        <p:tav tm="0">
+                                          <p:val>
+                                            <p:strVal val="#ppt_y+#ppt_h*1.125000"/>
+                                          </p:val>
+                                        </p:tav>
+                                        <p:tav tm="100000">
+                                          <p:val>
+                                            <p:strVal val="#ppt_y"/>
+                                          </p:val>
+                                        </p:tav>
+                                      </p:tavLst>
+                                    </p:anim>
+                                    <p:animEffect transition="in" filter="wipe(up)">
+                                      <p:cBhvr>
+                                        <p:cTn id="8" dur="500"/>
+                                        <p:tgtEl>
+                                          <p:spTgt spid="3">
+                                            <p:txEl>
+                                              <p:pRg st="0" end="0"/>
+                                            </p:txEl>
+                                          </p:spTgt>
+                                        </p:tgtEl>
+                                      </p:cBhvr>
+                                    </p:animEffect>
+                                  </p:childTnLst>
+                                </p:cTn>
+                              </p:par>
+                            </p:childTnLst>
+                          </p:cTn>
+                        </p:par>
+                      </p:childTnLst>
+                    </p:cTn>
+                  </p:par>
+                  <p:par>
+                    <p:cTn id="9" fill="hold">
+                      <p:stCondLst>
+                        <p:cond delay="indefinite"/>
+                      </p:stCondLst>
+                      <p:childTnLst>
+                        <p:par>
+                          <p:cTn id="10" fill="hold">
+                            <p:stCondLst>
+                              <p:cond delay="0"/>
+                            </p:stCondLst>
+                            <p:childTnLst>
+                              <p:par>
+                                <p:cTn id="11" presetID="12" presetClass="entr" presetSubtype="4" fill="hold" grpId="0" nodeType="clickEffect">
+                                  <p:stCondLst>
+                                    <p:cond delay="0"/>
+                                  </p:stCondLst>
+                                  <p:childTnLst>
+                                    <p:set>
+                                      <p:cBhvr>
+                                        <p:cTn id="12" dur="1" fill="hold">
+                                          <p:stCondLst>
+                                            <p:cond delay="0"/>
+                                          </p:stCondLst>
+                                        </p:cTn>
+                                        <p:tgtEl>
+                                          <p:spTgt spid="3">
+                                            <p:txEl>
+                                              <p:pRg st="1" end="1"/>
+                                            </p:txEl>
+                                          </p:spTgt>
+                                        </p:tgtEl>
+                                        <p:attrNameLst>
+                                          <p:attrName>style.visibility</p:attrName>
+                                        </p:attrNameLst>
+                                      </p:cBhvr>
+                                      <p:to>
+                                        <p:strVal val="visible"/>
+                                      </p:to>
+                                    </p:set>
+                                    <p:anim calcmode="lin" valueType="num">
+                                      <p:cBhvr additive="base">
+                                        <p:cTn id="13" dur="500"/>
+                                        <p:tgtEl>
+                                          <p:spTgt spid="3">
+                                            <p:txEl>
+                                              <p:pRg st="1" end="1"/>
+                                            </p:txEl>
+                                          </p:spTgt>
+                                        </p:tgtEl>
+                                        <p:attrNameLst>
+                                          <p:attrName>ppt_y</p:attrName>
+                                        </p:attrNameLst>
+                                      </p:cBhvr>
+                                      <p:tavLst>
+                                        <p:tav tm="0">
+                                          <p:val>
+                                            <p:strVal val="#ppt_y+#ppt_h*1.125000"/>
+                                          </p:val>
+                                        </p:tav>
+                                        <p:tav tm="100000">
+                                          <p:val>
+                                            <p:strVal val="#ppt_y"/>
+                                          </p:val>
+                                        </p:tav>
+                                      </p:tavLst>
+                                    </p:anim>
+                                    <p:animEffect transition="in" filter="wipe(up)">
+                                      <p:cBhvr>
+                                        <p:cTn id="14" dur="500"/>
+                                        <p:tgtEl>
+                                          <p:spTgt spid="3">
+                                            <p:txEl>
+                                              <p:pRg st="1" end="1"/>
+                                            </p:txEl>
+                                          </p:spTgt>
+                                        </p:tgtEl>
+                                      </p:cBhvr>
+                                    </p:animEffect>
+                                  </p:childTnLst>
+                                </p:cTn>
+                              </p:par>
+                            </p:childTnLst>
+                          </p:cTn>
+                        </p:par>
+                      </p:childTnLst>
+                    </p:cTn>
+                  </p:par>
+                  <p:par>
+                    <p:cTn id="15" fill="hold">
+                      <p:stCondLst>
+                        <p:cond delay="indefinite"/>
+                      </p:stCondLst>
+                      <p:childTnLst>
+                        <p:par>
+                          <p:cTn id="16" fill="hold">
+                            <p:stCondLst>
+                              <p:cond delay="0"/>
+                            </p:stCondLst>
+                            <p:childTnLst>
+                              <p:par>
+                                <p:cTn id="17" presetID="12" presetClass="entr" presetSubtype="4" fill="hold" grpId="0" nodeType="clickEffect">
+                                  <p:stCondLst>
+                                    <p:cond delay="0"/>
+                                  </p:stCondLst>
+                                  <p:childTnLst>
+                                    <p:set>
+                                      <p:cBhvr>
+                                        <p:cTn id="18" dur="1" fill="hold">
+                                          <p:stCondLst>
+                                            <p:cond delay="0"/>
+                                          </p:stCondLst>
+                                        </p:cTn>
+                                        <p:tgtEl>
+                                          <p:spTgt spid="3">
+                                            <p:txEl>
+                                              <p:pRg st="2" end="2"/>
+                                            </p:txEl>
+                                          </p:spTgt>
+                                        </p:tgtEl>
+                                        <p:attrNameLst>
+                                          <p:attrName>style.visibility</p:attrName>
+                                        </p:attrNameLst>
+                                      </p:cBhvr>
+                                      <p:to>
+                                        <p:strVal val="visible"/>
+                                      </p:to>
+                                    </p:set>
+                                    <p:anim calcmode="lin" valueType="num">
+                                      <p:cBhvr additive="base">
+                                        <p:cTn id="19" dur="500"/>
+                                        <p:tgtEl>
+                                          <p:spTgt spid="3">
+                                            <p:txEl>
+                                              <p:pRg st="2" end="2"/>
+                                            </p:txEl>
+                                          </p:spTgt>
+                                        </p:tgtEl>
+                                        <p:attrNameLst>
+                                          <p:attrName>ppt_y</p:attrName>
+                                        </p:attrNameLst>
+                                      </p:cBhvr>
+                                      <p:tavLst>
+                                        <p:tav tm="0">
+                                          <p:val>
+                                            <p:strVal val="#ppt_y+#ppt_h*1.125000"/>
+                                          </p:val>
+                                        </p:tav>
+                                        <p:tav tm="100000">
+                                          <p:val>
+                                            <p:strVal val="#ppt_y"/>
+                                          </p:val>
+                                        </p:tav>
+                                      </p:tavLst>
+                                    </p:anim>
+                                    <p:animEffect transition="in" filter="wipe(up)">
+                                      <p:cBhvr>
+                                        <p:cTn id="20" dur="500"/>
+                                        <p:tgtEl>
+                                          <p:spTgt spid="3">
+                                            <p:txEl>
+                                              <p:pRg st="2" end="2"/>
+                                            </p:txEl>
+                                          </p:spTgt>
+                                        </p:tgtEl>
+                                      </p:cBhvr>
+                                    </p:animEffect>
+                                  </p:childTnLst>
+                                </p:cTn>
+                              </p:par>
+                            </p:childTnLst>
+                          </p:cTn>
+                        </p:par>
+                      </p:childTnLst>
+                    </p:cTn>
+                  </p:par>
+                  <p:par>
+                    <p:cTn id="21" fill="hold">
+                      <p:stCondLst>
+                        <p:cond delay="indefinite"/>
+                      </p:stCondLst>
+                      <p:childTnLst>
+                        <p:par>
+                          <p:cTn id="22" fill="hold">
+                            <p:stCondLst>
+                              <p:cond delay="0"/>
+                            </p:stCondLst>
+                            <p:childTnLst>
+                              <p:par>
+                                <p:cTn id="23" presetID="12" presetClass="entr" presetSubtype="4" fill="hold" grpId="0" nodeType="clickEffect">
+                                  <p:stCondLst>
+                                    <p:cond delay="0"/>
+                                  </p:stCondLst>
+                                  <p:childTnLst>
+                                    <p:set>
+                                      <p:cBhvr>
+                                        <p:cTn id="24" dur="1" fill="hold">
+                                          <p:stCondLst>
+                                            <p:cond delay="0"/>
+                                          </p:stCondLst>
+                                        </p:cTn>
+                                        <p:tgtEl>
+                                          <p:spTgt spid="3">
+                                            <p:txEl>
+                                              <p:pRg st="3" end="3"/>
+                                            </p:txEl>
+                                          </p:spTgt>
+                                        </p:tgtEl>
+                                        <p:attrNameLst>
+                                          <p:attrName>style.visibility</p:attrName>
+                                        </p:attrNameLst>
+                                      </p:cBhvr>
+                                      <p:to>
+                                        <p:strVal val="visible"/>
+                                      </p:to>
+                                    </p:set>
+                                    <p:anim calcmode="lin" valueType="num">
+                                      <p:cBhvr additive="base">
+                                        <p:cTn id="25" dur="500"/>
+                                        <p:tgtEl>
+                                          <p:spTgt spid="3">
+                                            <p:txEl>
+                                              <p:pRg st="3" end="3"/>
+                                            </p:txEl>
+                                          </p:spTgt>
+                                        </p:tgtEl>
+                                        <p:attrNameLst>
+                                          <p:attrName>ppt_y</p:attrName>
+                                        </p:attrNameLst>
+                                      </p:cBhvr>
+                                      <p:tavLst>
+                                        <p:tav tm="0">
+                                          <p:val>
+                                            <p:strVal val="#ppt_y+#ppt_h*1.125000"/>
+                                          </p:val>
+                                        </p:tav>
+                                        <p:tav tm="100000">
+                                          <p:val>
+                                            <p:strVal val="#ppt_y"/>
+                                          </p:val>
+                                        </p:tav>
+                                      </p:tavLst>
+                                    </p:anim>
+                                    <p:animEffect transition="in" filter="wipe(up)">
+                                      <p:cBhvr>
+                                        <p:cTn id="26" dur="500"/>
+                                        <p:tgtEl>
+                                          <p:spTgt spid="3">
+                                            <p:txEl>
+                                              <p:pRg st="3" end="3"/>
+                                            </p:txEl>
+                                          </p:spTgt>
+                                        </p:tgtEl>
+                                      </p:cBhvr>
+                                    </p:animEffect>
+                                  </p:childTnLst>
+                                </p:cTn>
+                              </p:par>
+                              <p:par>
+                                <p:cTn id="27" presetID="12" presetClass="entr" presetSubtype="4" fill="hold" grpId="0" nodeType="withEffect">
+                                  <p:stCondLst>
+                                    <p:cond delay="0"/>
+                                  </p:stCondLst>
+                                  <p:childTnLst>
+                                    <p:set>
+                                      <p:cBhvr>
+                                        <p:cTn id="28" dur="1" fill="hold">
+                                          <p:stCondLst>
+                                            <p:cond delay="0"/>
+                                          </p:stCondLst>
+                                        </p:cTn>
+                                        <p:tgtEl>
+                                          <p:spTgt spid="3">
+                                            <p:txEl>
+                                              <p:pRg st="4" end="4"/>
+                                            </p:txEl>
+                                          </p:spTgt>
+                                        </p:tgtEl>
+                                        <p:attrNameLst>
+                                          <p:attrName>style.visibility</p:attrName>
+                                        </p:attrNameLst>
+                                      </p:cBhvr>
+                                      <p:to>
+                                        <p:strVal val="visible"/>
+                                      </p:to>
+                                    </p:set>
+                                    <p:anim calcmode="lin" valueType="num">
+                                      <p:cBhvr additive="base">
+                                        <p:cTn id="29" dur="500"/>
+                                        <p:tgtEl>
+                                          <p:spTgt spid="3">
+                                            <p:txEl>
+                                              <p:pRg st="4" end="4"/>
+                                            </p:txEl>
+                                          </p:spTgt>
+                                        </p:tgtEl>
+                                        <p:attrNameLst>
+                                          <p:attrName>ppt_y</p:attrName>
+                                        </p:attrNameLst>
+                                      </p:cBhvr>
+                                      <p:tavLst>
+                                        <p:tav tm="0">
+                                          <p:val>
+                                            <p:strVal val="#ppt_y+#ppt_h*1.125000"/>
+                                          </p:val>
+                                        </p:tav>
+                                        <p:tav tm="100000">
+                                          <p:val>
+                                            <p:strVal val="#ppt_y"/>
+                                          </p:val>
+                                        </p:tav>
+                                      </p:tavLst>
+                                    </p:anim>
+                                    <p:animEffect transition="in" filter="wipe(up)">
+                                      <p:cBhvr>
+                                        <p:cTn id="30" dur="500"/>
+                                        <p:tgtEl>
+                                          <p:spTgt spid="3">
+                                            <p:txEl>
+                                              <p:pRg st="4" end="4"/>
+                                            </p:txEl>
+                                          </p:spTgt>
+                                        </p:tgtEl>
+                                      </p:cBhvr>
+                                    </p:animEffect>
+                                  </p:childTnLst>
+                                </p:cTn>
+                              </p:par>
+                            </p:childTnLst>
+                          </p:cTn>
+                        </p:par>
+                      </p:childTnLst>
+                    </p:cTn>
+                  </p:par>
+                </p:childTnLst>
+              </p:cTn>
+              <p:prevCondLst>
+                <p:cond evt="onPrev" delay="0">
+                  <p:tgtEl>
+                    <p:sldTgt/>
+                  </p:tgtEl>
+                </p:cond>
+              </p:prevCondLst>
+              <p:nextCondLst>
+                <p:cond evt="onNext" delay="0">
+                  <p:tgtEl>
+                    <p:sldTgt/>
+                  </p:tgtEl>
+                </p:cond>
+              </p:nextCondLst>
+            </p:seq>
+          </p:childTnLst>
+        </p:cTn>
+      </p:par>
+    </p:tnLst>
+    <p:bldLst>
+      <p:bldP spid="3" grpId="0" uiExpand="1" build="p"/>
+    </p:bldLst>
+  </p:timing>
+</p:sld>
+</file>
+
+<file path=ppt/slides/slide4.xml><?xml version="1.0" encoding="utf-8"?>
+<p:sld xmlns:a="http://schemas.openxmlformats.org/drawingml/2006/main" xmlns:r="http://schemas.openxmlformats.org/officeDocument/2006/relationships" xmlns:p="http://schemas.openxmlformats.org/presentationml/2006/main">
+  <p:cSld>
+    <p:spTree>
+      <p:nvGrpSpPr>
+        <p:cNvPr id="1" name=""/>
+        <p:cNvGrpSpPr/>
+        <p:nvPr/>
+      </p:nvGrpSpPr>
+      <p:grpSpPr>
+        <a:xfrm>
+          <a:off x="0" y="0"/>
+          <a:ext cx="0" cy="0"/>
+          <a:chOff x="0" y="0"/>
+          <a:chExt cx="0" cy="0"/>
+        </a:xfrm>
+      </p:grpSpPr>
+      <p:sp>
+        <p:nvSpPr>
+          <p:cNvPr id="2" name="Title 1"/>
+          <p:cNvSpPr>
+            <a:spLocks noGrp="1"/>
+          </p:cNvSpPr>
+          <p:nvPr>
+            <p:ph type="title"/>
+          </p:nvPr>
+        </p:nvSpPr>
+        <p:spPr/>
+        <p:txBody>
+          <a:bodyPr/>
+          <a:lstStyle/>
+          <a:p>
+            <a:r>
+              <a:rPr lang="en-US" b="1" dirty="0" smtClean="0"/>
+              <a:t>history</a:t>
+            </a:r>
+            <a:endParaRPr lang="en-US" b="1" dirty="0"/>
+          </a:p>
+        </p:txBody>
+      </p:sp>
+      <p:sp>
+        <p:nvSpPr>
+          <p:cNvPr id="3" name="Content Placeholder 2"/>
+          <p:cNvSpPr>
+            <a:spLocks noGrp="1"/>
+          </p:cNvSpPr>
+          <p:nvPr>
+            <p:ph idx="1"/>
+          </p:nvPr>
+        </p:nvSpPr>
+        <p:spPr/>
+        <p:txBody>
+          <a:bodyPr/>
+          <a:lstStyle/>
+          <a:p>
+            <a:r>
+              <a:rPr lang="en-US" dirty="0" smtClean="0"/>
               <a:t>Rob Eisenberg is awesome</a:t>
             </a:r>
           </a:p>
@@ -6505,23 +7100,13 @@
           <a:p>
             <a:r>
               <a:rPr lang="en-US" dirty="0" smtClean="0"/>
-              <a:t>Goodbye Angular, hello Aurelia!</a:t>
-            </a:r>
-          </a:p>
-          <a:p>
-            <a:pPr lvl="1"/>
+              <a:t>Goodbye Angular, hello Aurelia</a:t>
+            </a:r>
             <a:r>
               <a:rPr lang="en-US" dirty="0" smtClean="0"/>
-              <a:t>The best parts of Angular with the best parts of Caliburn.Micro and </a:t>
-            </a:r>
-            <a:r>
-              <a:rPr lang="en-US" dirty="0" err="1" smtClean="0"/>
-              <a:t>Durandal</a:t>
+              <a:t>!</a:t>
             </a:r>
             <a:endParaRPr lang="en-US" dirty="0" smtClean="0"/>
-          </a:p>
-          <a:p>
-            <a:endParaRPr lang="en-US" dirty="0"/>
           </a:p>
         </p:txBody>
       </p:sp>
@@ -7272,76 +7857,6 @@
                                   </p:childTnLst>
                                 </p:cTn>
                               </p:par>
-                              <p:par>
-                                <p:cTn id="49" presetID="12" presetClass="entr" presetSubtype="4" fill="hold" grpId="0" nodeType="withEffect">
-                                  <p:stCondLst>
-                                    <p:cond delay="0"/>
-                                  </p:stCondLst>
-                                  <p:childTnLst>
-                                    <p:set>
-                                      <p:cBhvr>
-                                        <p:cTn id="50" dur="1" fill="hold">
-                                          <p:stCondLst>
-                                            <p:cond delay="0"/>
-                                          </p:stCondLst>
-                                        </p:cTn>
-                                        <p:tgtEl>
-                                          <p:spTgt spid="3">
-                                            <p:txEl>
-                                              <p:pRg st="9" end="9"/>
-                                            </p:txEl>
-                                          </p:spTgt>
-                                        </p:tgtEl>
-                                        <p:attrNameLst>
-                                          <p:attrName>style.visibility</p:attrName>
-                                        </p:attrNameLst>
-                                      </p:cBhvr>
-                                      <p:to>
-                                        <p:strVal val="visible"/>
-                                      </p:to>
-                                    </p:set>
-                                    <p:anim calcmode="lin" valueType="num">
-                                      <p:cBhvr additive="base">
-                                        <p:cTn id="51" dur="500"/>
-                                        <p:tgtEl>
-                                          <p:spTgt spid="3">
-                                            <p:txEl>
-                                              <p:pRg st="9" end="9"/>
-                                            </p:txEl>
-                                          </p:spTgt>
-                                        </p:tgtEl>
-                                        <p:attrNameLst>
-                                          <p:attrName>ppt_y</p:attrName>
-                                        </p:attrNameLst>
-                                      </p:cBhvr>
-                                      <p:tavLst>
-                                        <p:tav tm="0">
-                                          <p:val>
-                                            <p:strVal val="#ppt_y+#ppt_h*1.125000"/>
-                                          </p:val>
-                                        </p:tav>
-                                        <p:tav tm="100000">
-                                          <p:val>
-                                            <p:strVal val="#ppt_y"/>
-                                          </p:val>
-                                        </p:tav>
-                                      </p:tavLst>
-                                    </p:anim>
-                                    <p:animEffect transition="in" filter="wipe(up)">
-                                      <p:cBhvr>
-                                        <p:cTn id="52" dur="500"/>
-                                        <p:tgtEl>
-                                          <p:spTgt spid="3">
-                                            <p:txEl>
-                                              <p:pRg st="9" end="9"/>
-                                            </p:txEl>
-                                          </p:spTgt>
-                                        </p:tgtEl>
-                                      </p:cBhvr>
-                                    </p:animEffect>
-                                  </p:childTnLst>
-                                </p:cTn>
-                              </p:par>
                             </p:childTnLst>
                           </p:cTn>
                         </p:par>
@@ -7376,7 +7891,7 @@
 </p:sld>
 </file>
 
-<file path=ppt/slides/slide4.xml><?xml version="1.0" encoding="utf-8"?>
+<file path=ppt/slides/slide5.xml><?xml version="1.0" encoding="utf-8"?>
 <p:sld xmlns:a="http://schemas.openxmlformats.org/drawingml/2006/main" xmlns:r="http://schemas.openxmlformats.org/officeDocument/2006/relationships" xmlns:p="http://schemas.openxmlformats.org/presentationml/2006/main">
   <p:cSld>
     <p:spTree>
@@ -7489,11 +8004,7 @@
           <a:p>
             <a:r>
               <a:rPr lang="en-US" dirty="0" smtClean="0"/>
-              <a:t>Vs. Angular 2.0?  Listen to Rob on the Herding </a:t>
-            </a:r>
-            <a:r>
-              <a:rPr lang="en-US" smtClean="0"/>
-              <a:t>Code Podcast</a:t>
+              <a:t>Vs. Angular 2.0?  Listen to Rob on the Herding Code Podcast</a:t>
             </a:r>
             <a:endParaRPr lang="en-US" dirty="0" smtClean="0"/>
           </a:p>
@@ -8267,7 +8778,7 @@
 </p:sld>
 </file>
 
-<file path=ppt/slides/slide5.xml><?xml version="1.0" encoding="utf-8"?>
+<file path=ppt/slides/slide6.xml><?xml version="1.0" encoding="utf-8"?>
 <p:sld xmlns:a="http://schemas.openxmlformats.org/drawingml/2006/main" xmlns:r="http://schemas.openxmlformats.org/officeDocument/2006/relationships" xmlns:p="http://schemas.openxmlformats.org/presentationml/2006/main">
   <p:cSld>
     <p:spTree>
@@ -8360,7 +8871,7 @@
 </p:sld>
 </file>
 
-<file path=ppt/slides/slide6.xml><?xml version="1.0" encoding="utf-8"?>
+<file path=ppt/slides/slide7.xml><?xml version="1.0" encoding="utf-8"?>
 <p:sld xmlns:a="http://schemas.openxmlformats.org/drawingml/2006/main" xmlns:r="http://schemas.openxmlformats.org/officeDocument/2006/relationships" xmlns:p="http://schemas.openxmlformats.org/presentationml/2006/main">
   <p:cSld>
     <p:spTree>
